--- a/Documentation/הסבת חלקות דו-ממדיות מבוטלות.pptx
+++ b/Documentation/הסבת חלקות דו-ממדיות מבוטלות.pptx
@@ -204,7 +204,7 @@
           <a:p>
             <a:fld id="{0567D346-E0A4-480D-8576-CDC0E4C76307}" type="datetimeFigureOut">
               <a:rPr lang="he-IL" smtClean="0"/>
-              <a:t>ג'/תשרי/תשפ"ג</a:t>
+              <a:t>י"ב/טבת/תשפ"ג</a:t>
             </a:fld>
             <a:endParaRPr lang="he-IL"/>
           </a:p>
@@ -268,35 +268,35 @@
           <a:p>
             <a:pPr lvl="0"/>
             <a:r>
-              <a:rPr lang="en-US" smtClean="0"/>
+              <a:rPr lang="en-US"/>
               <a:t>Edit Master text styles</a:t>
             </a:r>
           </a:p>
           <a:p>
             <a:pPr lvl="1"/>
             <a:r>
-              <a:rPr lang="en-US" smtClean="0"/>
+              <a:rPr lang="en-US"/>
               <a:t>Second level</a:t>
             </a:r>
           </a:p>
           <a:p>
             <a:pPr lvl="2"/>
             <a:r>
-              <a:rPr lang="en-US" smtClean="0"/>
+              <a:rPr lang="en-US"/>
               <a:t>Third level</a:t>
             </a:r>
           </a:p>
           <a:p>
             <a:pPr lvl="3"/>
             <a:r>
-              <a:rPr lang="en-US" smtClean="0"/>
+              <a:rPr lang="en-US"/>
               <a:t>Fourth level</a:t>
             </a:r>
           </a:p>
           <a:p>
             <a:pPr lvl="4"/>
             <a:r>
-              <a:rPr lang="en-US" smtClean="0"/>
+              <a:rPr lang="en-US"/>
               <a:t>Fifth level</a:t>
             </a:r>
             <a:endParaRPr lang="he-IL"/>
@@ -745,7 +745,7 @@
           <a:p>
             <a:fld id="{40DF87CD-148B-4E7A-85EE-645F5406764B}" type="datetimeFigureOut">
               <a:rPr lang="he-IL" smtClean="0"/>
-              <a:t>ג'/תשרי/תשפ"ג</a:t>
+              <a:t>י"ב/טבת/תשפ"ג</a:t>
             </a:fld>
             <a:endParaRPr lang="he-IL"/>
           </a:p>
@@ -916,7 +916,7 @@
           <a:p>
             <a:fld id="{40DF87CD-148B-4E7A-85EE-645F5406764B}" type="datetimeFigureOut">
               <a:rPr lang="he-IL" smtClean="0"/>
-              <a:t>ג'/תשרי/תשפ"ג</a:t>
+              <a:t>י"ב/טבת/תשפ"ג</a:t>
             </a:fld>
             <a:endParaRPr lang="he-IL"/>
           </a:p>
@@ -1097,7 +1097,7 @@
           <a:p>
             <a:fld id="{40DF87CD-148B-4E7A-85EE-645F5406764B}" type="datetimeFigureOut">
               <a:rPr lang="he-IL" smtClean="0"/>
-              <a:t>ג'/תשרי/תשפ"ג</a:t>
+              <a:t>י"ב/טבת/תשפ"ג</a:t>
             </a:fld>
             <a:endParaRPr lang="he-IL"/>
           </a:p>
@@ -1268,7 +1268,7 @@
           <a:p>
             <a:fld id="{40DF87CD-148B-4E7A-85EE-645F5406764B}" type="datetimeFigureOut">
               <a:rPr lang="he-IL" smtClean="0"/>
-              <a:t>ג'/תשרי/תשפ"ג</a:t>
+              <a:t>י"ב/טבת/תשפ"ג</a:t>
             </a:fld>
             <a:endParaRPr lang="he-IL"/>
           </a:p>
@@ -1515,7 +1515,7 @@
           <a:p>
             <a:fld id="{40DF87CD-148B-4E7A-85EE-645F5406764B}" type="datetimeFigureOut">
               <a:rPr lang="he-IL" smtClean="0"/>
-              <a:t>ג'/תשרי/תשפ"ג</a:t>
+              <a:t>י"ב/טבת/תשפ"ג</a:t>
             </a:fld>
             <a:endParaRPr lang="he-IL"/>
           </a:p>
@@ -1748,7 +1748,7 @@
           <a:p>
             <a:fld id="{40DF87CD-148B-4E7A-85EE-645F5406764B}" type="datetimeFigureOut">
               <a:rPr lang="he-IL" smtClean="0"/>
-              <a:t>ג'/תשרי/תשפ"ג</a:t>
+              <a:t>י"ב/טבת/תשפ"ג</a:t>
             </a:fld>
             <a:endParaRPr lang="he-IL"/>
           </a:p>
@@ -2116,7 +2116,7 @@
           <a:p>
             <a:fld id="{40DF87CD-148B-4E7A-85EE-645F5406764B}" type="datetimeFigureOut">
               <a:rPr lang="he-IL" smtClean="0"/>
-              <a:t>ג'/תשרי/תשפ"ג</a:t>
+              <a:t>י"ב/טבת/תשפ"ג</a:t>
             </a:fld>
             <a:endParaRPr lang="he-IL"/>
           </a:p>
@@ -2235,7 +2235,7 @@
           <a:p>
             <a:fld id="{40DF87CD-148B-4E7A-85EE-645F5406764B}" type="datetimeFigureOut">
               <a:rPr lang="he-IL" smtClean="0"/>
-              <a:t>ג'/תשרי/תשפ"ג</a:t>
+              <a:t>י"ב/טבת/תשפ"ג</a:t>
             </a:fld>
             <a:endParaRPr lang="he-IL"/>
           </a:p>
@@ -2331,7 +2331,7 @@
           <a:p>
             <a:fld id="{40DF87CD-148B-4E7A-85EE-645F5406764B}" type="datetimeFigureOut">
               <a:rPr lang="he-IL" smtClean="0"/>
-              <a:t>ג'/תשרי/תשפ"ג</a:t>
+              <a:t>י"ב/טבת/תשפ"ג</a:t>
             </a:fld>
             <a:endParaRPr lang="he-IL"/>
           </a:p>
@@ -2609,7 +2609,7 @@
           <a:p>
             <a:fld id="{40DF87CD-148B-4E7A-85EE-645F5406764B}" type="datetimeFigureOut">
               <a:rPr lang="he-IL" smtClean="0"/>
-              <a:t>ג'/תשרי/תשפ"ג</a:t>
+              <a:t>י"ב/טבת/תשפ"ג</a:t>
             </a:fld>
             <a:endParaRPr lang="he-IL"/>
           </a:p>
@@ -2867,7 +2867,7 @@
           <a:p>
             <a:fld id="{40DF87CD-148B-4E7A-85EE-645F5406764B}" type="datetimeFigureOut">
               <a:rPr lang="he-IL" smtClean="0"/>
-              <a:t>ג'/תשרי/תשפ"ג</a:t>
+              <a:t>י"ב/טבת/תשפ"ג</a:t>
             </a:fld>
             <a:endParaRPr lang="he-IL"/>
           </a:p>
@@ -3081,7 +3081,7 @@
           <a:p>
             <a:fld id="{40DF87CD-148B-4E7A-85EE-645F5406764B}" type="datetimeFigureOut">
               <a:rPr lang="he-IL" smtClean="0"/>
-              <a:t>ג'/תשרי/תשפ"ג</a:t>
+              <a:t>י"ב/טבת/תשפ"ג</a:t>
             </a:fld>
             <a:endParaRPr lang="he-IL"/>
           </a:p>
@@ -3557,7 +3557,7 @@
               <a:defRPr/>
             </a:pPr>
             <a:r>
-              <a:rPr kumimoji="0" lang="he-IL" sz="4000" b="1" i="0" u="none" strike="noStrike" kern="1200" cap="none" spc="0" normalizeH="0" baseline="0" noProof="0" dirty="0" smtClean="0">
+              <a:rPr kumimoji="0" lang="he-IL" sz="4000" b="1" i="0" u="none" strike="noStrike" kern="1200" cap="none" spc="0" normalizeH="0" baseline="0" noProof="0" dirty="0">
                 <a:ln>
                   <a:noFill/>
                 </a:ln>
@@ -3573,7 +3573,7 @@
               <a:t>חלקות (דו-ממדיות)</a:t>
             </a:r>
             <a:r>
-              <a:rPr kumimoji="0" lang="he-IL" sz="4000" b="1" i="0" u="none" strike="noStrike" kern="1200" cap="none" spc="0" normalizeH="0" noProof="0" dirty="0" smtClean="0">
+              <a:rPr kumimoji="0" lang="he-IL" sz="4000" b="1" i="0" u="none" strike="noStrike" kern="1200" cap="none" spc="0" normalizeH="0" noProof="0" dirty="0">
                 <a:ln>
                   <a:noFill/>
                 </a:ln>
@@ -3589,7 +3589,7 @@
               <a:t> </a:t>
             </a:r>
             <a:r>
-              <a:rPr kumimoji="0" lang="he-IL" sz="4000" b="1" i="0" u="none" strike="noStrike" kern="1200" cap="none" spc="0" normalizeH="0" baseline="0" noProof="0" dirty="0" smtClean="0">
+              <a:rPr kumimoji="0" lang="he-IL" sz="4000" b="1" i="0" u="none" strike="noStrike" kern="1200" cap="none" spc="0" normalizeH="0" baseline="0" noProof="0" dirty="0">
                 <a:ln>
                   <a:noFill/>
                 </a:ln>
@@ -3604,19 +3604,6 @@
               </a:rPr>
               <a:t>מבוטלות - סכמה חדשה</a:t>
             </a:r>
-            <a:endParaRPr kumimoji="0" lang="he-IL" sz="4000" b="1" i="0" u="none" strike="noStrike" kern="1200" cap="none" spc="0" normalizeH="0" baseline="0" noProof="0" dirty="0">
-              <a:ln>
-                <a:noFill/>
-              </a:ln>
-              <a:solidFill>
-                <a:srgbClr val="002060"/>
-              </a:solidFill>
-              <a:effectLst/>
-              <a:uLnTx/>
-              <a:uFillTx/>
-              <a:latin typeface="Calibri" panose="020F0502020204030204"/>
-              <a:cs typeface="Arial" panose="020B0604020202020204" pitchFamily="34" charset="0"/>
-            </a:endParaRPr>
           </a:p>
         </p:txBody>
       </p:sp>
@@ -3661,13 +3648,6 @@
     <a:masterClrMapping/>
   </p:clrMapOvr>
   <p:transition/>
-  <p:timing>
-    <p:tnLst>
-      <p:par>
-        <p:cTn id="1" dur="indefinite" restart="never" nodeType="tmRoot"/>
-      </p:par>
-    </p:tnLst>
-  </p:timing>
 </p:sld>
 </file>
 
@@ -3742,7 +3722,7 @@
           <a:p>
             <a:pPr algn="r"/>
             <a:r>
-              <a:rPr lang="he-IL" sz="3600" dirty="0" smtClean="0">
+              <a:rPr lang="he-IL" sz="3600" dirty="0">
                 <a:solidFill>
                   <a:srgbClr val="002060"/>
                 </a:solidFill>
@@ -3752,7 +3732,7 @@
               <a:t>מבנה טבלת </a:t>
             </a:r>
             <a:r>
-              <a:rPr lang="he-IL" sz="3600" dirty="0" smtClean="0">
+              <a:rPr lang="he-IL" sz="3600" dirty="0">
                 <a:solidFill>
                   <a:srgbClr val="002060"/>
                 </a:solidFill>
@@ -3760,7 +3740,7 @@
               <a:t>חלקות בתהליך </a:t>
             </a:r>
             <a:r>
-              <a:rPr lang="he-IL" sz="3600" dirty="0" smtClean="0">
+              <a:rPr lang="he-IL" sz="3600" dirty="0">
                 <a:solidFill>
                   <a:srgbClr val="002060"/>
                 </a:solidFill>
@@ -3769,13 +3749,6 @@
               </a:rPr>
               <a:t>בסכמה החדשה</a:t>
             </a:r>
-            <a:endParaRPr lang="he-IL" sz="3600" dirty="0">
-              <a:solidFill>
-                <a:srgbClr val="002060"/>
-              </a:solidFill>
-              <a:latin typeface="Calibri" panose="020F0502020204030204" pitchFamily="34" charset="0"/>
-              <a:cs typeface="Calibri" panose="020F0502020204030204" pitchFamily="34" charset="0"/>
-            </a:endParaRPr>
           </a:p>
         </p:txBody>
       </p:sp>
@@ -3907,13 +3880,13 @@
                         <a:t>כינוי </a:t>
                       </a:r>
                       <a:r>
-                        <a:rPr lang="en-US" sz="2400" b="1" u="none" strike="noStrike" smtClean="0">
+                        <a:rPr lang="en-US" sz="2400" b="1" u="none" strike="noStrike">
                           <a:effectLst/>
                         </a:rPr>
                         <a:t>alias)</a:t>
                       </a:r>
                       <a:r>
-                        <a:rPr lang="he-IL" sz="2400" b="1" u="none" strike="noStrike" smtClean="0">
+                        <a:rPr lang="he-IL" sz="2400" b="1" u="none" strike="noStrike">
                           <a:effectLst/>
                         </a:rPr>
                         <a:t>)</a:t>
@@ -3949,13 +3922,13 @@
                         <a:t>האם קיים </a:t>
                       </a:r>
                       <a:r>
-                        <a:rPr lang="en-US" sz="2400" b="1" u="none" strike="noStrike" smtClean="0">
+                        <a:rPr lang="en-US" sz="2400" b="1" u="none" strike="noStrike">
                           <a:effectLst/>
                         </a:rPr>
                         <a:t>LUT</a:t>
                       </a:r>
                       <a:r>
-                        <a:rPr lang="he-IL" sz="2400" b="1" u="none" strike="noStrike" smtClean="0">
+                        <a:rPr lang="he-IL" sz="2400" b="1" u="none" strike="noStrike">
                           <a:effectLst/>
                         </a:rPr>
                         <a:t> ?</a:t>
@@ -4008,7 +3981,7 @@
                         <a:defRPr/>
                       </a:pPr>
                       <a:r>
-                        <a:rPr lang="en-US" sz="1400" b="0" kern="1200" dirty="0" smtClean="0">
+                        <a:rPr lang="en-US" sz="1400" b="0" kern="1200" dirty="0">
                           <a:solidFill>
                             <a:schemeClr val="tx1"/>
                           </a:solidFill>
@@ -4034,7 +4007,7 @@
                     <a:p>
                       <a:pPr algn="ctr" rtl="0" fontAlgn="b"/>
                       <a:r>
-                        <a:rPr lang="en-US" sz="1400" b="0" i="0" u="none" strike="noStrike" dirty="0" err="1" smtClean="0">
+                        <a:rPr lang="en-US" sz="1400" b="0" i="0" u="none" strike="noStrike" dirty="0" err="1">
                           <a:solidFill>
                             <a:srgbClr val="000000"/>
                           </a:solidFill>
@@ -4092,7 +4065,7 @@
                     <a:p>
                       <a:pPr algn="ctr" rtl="1" fontAlgn="b"/>
                       <a:r>
-                        <a:rPr lang="he-IL" sz="1400" b="0" i="0" u="none" strike="noStrike" dirty="0" smtClean="0">
+                        <a:rPr lang="he-IL" sz="1400" b="0" i="0" u="none" strike="noStrike" dirty="0">
                           <a:solidFill>
                             <a:srgbClr val="000000"/>
                           </a:solidFill>
@@ -4102,14 +4075,6 @@
                         </a:rPr>
                         <a:t>לא</a:t>
                       </a:r>
-                      <a:endParaRPr lang="he-IL" sz="1400" b="0" i="0" u="none" strike="noStrike" dirty="0">
-                        <a:solidFill>
-                          <a:srgbClr val="000000"/>
-                        </a:solidFill>
-                        <a:effectLst/>
-                        <a:latin typeface="+mn-lt"/>
-                        <a:cs typeface="+mn-cs"/>
-                      </a:endParaRPr>
                     </a:p>
                   </a:txBody>
                   <a:tcPr marL="9525" marR="9525" marT="9525" marB="0" anchor="ctr">
@@ -4132,7 +4097,7 @@
                     <a:p>
                       <a:pPr algn="ctr" rtl="0" fontAlgn="b"/>
                       <a:r>
-                        <a:rPr lang="en-US" sz="1400" b="0" i="0" u="none" strike="noStrike" dirty="0" smtClean="0">
+                        <a:rPr lang="en-US" sz="1400" b="0" i="0" u="none" strike="noStrike" dirty="0">
                           <a:solidFill>
                             <a:srgbClr val="000000"/>
                           </a:solidFill>
@@ -4141,6 +4106,31 @@
                           <a:cs typeface="+mn-cs"/>
                         </a:rPr>
                         <a:t>ParcelNumber</a:t>
+                      </a:r>
+                    </a:p>
+                  </a:txBody>
+                  <a:tcPr marL="9525" marR="9525" marT="9525" marB="0" anchor="ctr">
+                    <a:solidFill>
+                      <a:schemeClr val="bg1"/>
+                    </a:solidFill>
+                  </a:tcPr>
+                </a:tc>
+                <a:tc>
+                  <a:txBody>
+                    <a:bodyPr/>
+                    <a:lstStyle/>
+                    <a:p>
+                      <a:pPr algn="ctr" rtl="0" fontAlgn="b"/>
+                      <a:r>
+                        <a:rPr lang="en-US" sz="1400" b="0" i="0" u="none" strike="noStrike" dirty="0" err="1">
+                          <a:solidFill>
+                            <a:srgbClr val="000000"/>
+                          </a:solidFill>
+                          <a:effectLst/>
+                          <a:latin typeface="+mn-lt"/>
+                          <a:cs typeface="+mn-cs"/>
+                        </a:rPr>
+                        <a:t>int</a:t>
                       </a:r>
                       <a:endParaRPr lang="en-US" sz="1400" b="0" i="0" u="none" strike="noStrike" dirty="0">
                         <a:solidFill>
@@ -4163,39 +4153,6 @@
                     <a:bodyPr/>
                     <a:lstStyle/>
                     <a:p>
-                      <a:pPr algn="ctr" rtl="0" fontAlgn="b"/>
-                      <a:r>
-                        <a:rPr lang="en-US" sz="1400" b="0" i="0" u="none" strike="noStrike" dirty="0" err="1" smtClean="0">
-                          <a:solidFill>
-                            <a:srgbClr val="000000"/>
-                          </a:solidFill>
-                          <a:effectLst/>
-                          <a:latin typeface="+mn-lt"/>
-                          <a:cs typeface="+mn-cs"/>
-                        </a:rPr>
-                        <a:t>int</a:t>
-                      </a:r>
-                      <a:endParaRPr lang="en-US" sz="1400" b="0" i="0" u="none" strike="noStrike" dirty="0">
-                        <a:solidFill>
-                          <a:srgbClr val="000000"/>
-                        </a:solidFill>
-                        <a:effectLst/>
-                        <a:latin typeface="+mn-lt"/>
-                        <a:cs typeface="+mn-cs"/>
-                      </a:endParaRPr>
-                    </a:p>
-                  </a:txBody>
-                  <a:tcPr marL="9525" marR="9525" marT="9525" marB="0" anchor="ctr">
-                    <a:solidFill>
-                      <a:schemeClr val="bg1"/>
-                    </a:solidFill>
-                  </a:tcPr>
-                </a:tc>
-                <a:tc>
-                  <a:txBody>
-                    <a:bodyPr/>
-                    <a:lstStyle/>
-                    <a:p>
                       <a:pPr algn="ctr" rtl="1" fontAlgn="b"/>
                       <a:r>
                         <a:rPr lang="he-IL" sz="1400" b="0" i="0" u="none" strike="noStrike">
@@ -4223,7 +4180,7 @@
                     <a:p>
                       <a:pPr algn="ctr" rtl="1" fontAlgn="b"/>
                       <a:r>
-                        <a:rPr lang="he-IL" sz="1400" b="0" i="0" u="none" strike="noStrike" dirty="0" smtClean="0">
+                        <a:rPr lang="he-IL" sz="1400" b="0" i="0" u="none" strike="noStrike" dirty="0">
                           <a:solidFill>
                             <a:srgbClr val="000000"/>
                           </a:solidFill>
@@ -4233,14 +4190,6 @@
                         </a:rPr>
                         <a:t>לא</a:t>
                       </a:r>
-                      <a:endParaRPr lang="he-IL" sz="1400" b="0" i="0" u="none" strike="noStrike" dirty="0">
-                        <a:solidFill>
-                          <a:srgbClr val="000000"/>
-                        </a:solidFill>
-                        <a:effectLst/>
-                        <a:latin typeface="+mn-lt"/>
-                        <a:cs typeface="+mn-cs"/>
-                      </a:endParaRPr>
                     </a:p>
                   </a:txBody>
                   <a:tcPr marL="9525" marR="9525" marT="9525" marB="0" anchor="ctr">
@@ -4279,7 +4228,7 @@
                         <a:defRPr/>
                       </a:pPr>
                       <a:r>
-                        <a:rPr lang="en-US" sz="1400" b="0" kern="1200" dirty="0" smtClean="0">
+                        <a:rPr lang="en-US" sz="1400" b="0" kern="1200" dirty="0">
                           <a:solidFill>
                             <a:schemeClr val="tx1"/>
                           </a:solidFill>
@@ -4305,7 +4254,7 @@
                     <a:p>
                       <a:pPr algn="ctr" rtl="0" fontAlgn="b"/>
                       <a:r>
-                        <a:rPr lang="en-US" sz="1400" b="0" i="0" u="none" strike="noStrike" dirty="0" err="1" smtClean="0">
+                        <a:rPr lang="en-US" sz="1400" b="0" i="0" u="none" strike="noStrike" dirty="0" err="1">
                           <a:solidFill>
                             <a:srgbClr val="000000"/>
                           </a:solidFill>
@@ -4363,7 +4312,7 @@
                     <a:p>
                       <a:pPr algn="ctr" rtl="1" fontAlgn="b"/>
                       <a:r>
-                        <a:rPr lang="he-IL" sz="1400" b="0" i="0" u="none" strike="noStrike" dirty="0" smtClean="0">
+                        <a:rPr lang="he-IL" sz="1400" b="0" i="0" u="none" strike="noStrike" dirty="0">
                           <a:solidFill>
                             <a:srgbClr val="000000"/>
                           </a:solidFill>
@@ -4373,14 +4322,6 @@
                         </a:rPr>
                         <a:t>כן</a:t>
                       </a:r>
-                      <a:endParaRPr lang="he-IL" sz="1400" b="0" i="0" u="none" strike="noStrike" dirty="0">
-                        <a:solidFill>
-                          <a:srgbClr val="000000"/>
-                        </a:solidFill>
-                        <a:effectLst/>
-                        <a:latin typeface="+mn-lt"/>
-                        <a:cs typeface="+mn-cs"/>
-                      </a:endParaRPr>
                     </a:p>
                   </a:txBody>
                   <a:tcPr marL="9525" marR="9525" marT="9525" marB="0" anchor="ctr">
@@ -4403,7 +4344,7 @@
                     <a:p>
                       <a:pPr algn="ctr" rtl="0" fontAlgn="b"/>
                       <a:r>
-                        <a:rPr lang="en-US" sz="1400" b="0" i="0" u="none" strike="noStrike" dirty="0" err="1" smtClean="0">
+                        <a:rPr lang="en-US" sz="1400" b="0" i="0" u="none" strike="noStrike" dirty="0" err="1">
                           <a:solidFill>
                             <a:srgbClr val="000000"/>
                           </a:solidFill>
@@ -4436,7 +4377,7 @@
                     <a:p>
                       <a:pPr algn="ctr" rtl="0" fontAlgn="b"/>
                       <a:r>
-                        <a:rPr lang="en-US" sz="1400" b="0" i="0" u="none" strike="noStrike" dirty="0" err="1" smtClean="0">
+                        <a:rPr lang="en-US" sz="1400" b="0" i="0" u="none" strike="noStrike" dirty="0" err="1">
                           <a:solidFill>
                             <a:srgbClr val="000000"/>
                           </a:solidFill>
@@ -4477,27 +4418,8 @@
                           <a:latin typeface="+mn-lt"/>
                           <a:cs typeface="+mn-cs"/>
                         </a:rPr>
-                        <a:t>סוג תהליך </a:t>
-                      </a:r>
-                      <a:r>
-                        <a:rPr lang="he-IL" sz="1400" b="0" i="0" u="none" strike="noStrike" dirty="0" smtClean="0">
-                          <a:solidFill>
-                            <a:srgbClr val="000000"/>
-                          </a:solidFill>
-                          <a:effectLst/>
-                          <a:latin typeface="+mn-lt"/>
-                          <a:cs typeface="+mn-cs"/>
-                        </a:rPr>
-                        <a:t>מבטל</a:t>
-                      </a:r>
-                      <a:endParaRPr lang="he-IL" sz="1400" b="0" i="0" u="none" strike="noStrike" dirty="0">
-                        <a:solidFill>
-                          <a:srgbClr val="000000"/>
-                        </a:solidFill>
-                        <a:effectLst/>
-                        <a:latin typeface="+mn-lt"/>
-                        <a:cs typeface="+mn-cs"/>
-                      </a:endParaRPr>
+                        <a:t>סוג תהליך מבטל</a:t>
+                      </a:r>
                     </a:p>
                   </a:txBody>
                   <a:tcPr marL="9525" marR="9525" marT="9525" marB="0" anchor="b">
@@ -4513,7 +4435,7 @@
                     <a:p>
                       <a:pPr algn="ctr" rtl="1" fontAlgn="b"/>
                       <a:r>
-                        <a:rPr lang="he-IL" sz="1400" b="0" i="0" u="none" strike="noStrike" dirty="0" smtClean="0">
+                        <a:rPr lang="he-IL" sz="1400" b="0" i="0" u="none" strike="noStrike" dirty="0">
                           <a:solidFill>
                             <a:srgbClr val="000000"/>
                           </a:solidFill>
@@ -4523,14 +4445,6 @@
                         </a:rPr>
                         <a:t>כן</a:t>
                       </a:r>
-                      <a:endParaRPr lang="he-IL" sz="1400" b="0" i="0" u="none" strike="noStrike" dirty="0">
-                        <a:solidFill>
-                          <a:srgbClr val="000000"/>
-                        </a:solidFill>
-                        <a:effectLst/>
-                        <a:latin typeface="+mn-lt"/>
-                        <a:cs typeface="+mn-cs"/>
-                      </a:endParaRPr>
                     </a:p>
                   </a:txBody>
                   <a:tcPr marL="9525" marR="9525" marT="9525" marB="0" anchor="ctr">
@@ -4553,7 +4467,7 @@
                     <a:p>
                       <a:pPr algn="ctr" rtl="0" fontAlgn="b"/>
                       <a:r>
-                        <a:rPr lang="en-US" sz="1400" b="0" i="0" u="none" strike="noStrike" dirty="0" smtClean="0">
+                        <a:rPr lang="en-US" sz="1400" b="0" i="0" u="none" strike="noStrike" dirty="0">
                           <a:solidFill>
                             <a:srgbClr val="000000"/>
                           </a:solidFill>
@@ -4562,6 +4476,245 @@
                           <a:cs typeface="+mn-cs"/>
                         </a:rPr>
                         <a:t>LegalArea</a:t>
+                      </a:r>
+                    </a:p>
+                  </a:txBody>
+                  <a:tcPr marL="9525" marR="9525" marT="9525" marB="0" anchor="ctr">
+                    <a:solidFill>
+                      <a:schemeClr val="bg1"/>
+                    </a:solidFill>
+                  </a:tcPr>
+                </a:tc>
+                <a:tc>
+                  <a:txBody>
+                    <a:bodyPr/>
+                    <a:lstStyle/>
+                    <a:p>
+                      <a:pPr algn="ctr" rtl="0" fontAlgn="b"/>
+                      <a:r>
+                        <a:rPr lang="en-US" sz="1400" b="0" i="0" u="none" strike="noStrike" dirty="0">
+                          <a:solidFill>
+                            <a:srgbClr val="000000"/>
+                          </a:solidFill>
+                          <a:effectLst/>
+                          <a:latin typeface="+mn-lt"/>
+                          <a:cs typeface="+mn-cs"/>
+                        </a:rPr>
+                        <a:t>float</a:t>
+                      </a:r>
+                    </a:p>
+                  </a:txBody>
+                  <a:tcPr marL="9525" marR="9525" marT="9525" marB="0" anchor="ctr">
+                    <a:solidFill>
+                      <a:schemeClr val="bg1"/>
+                    </a:solidFill>
+                  </a:tcPr>
+                </a:tc>
+                <a:tc>
+                  <a:txBody>
+                    <a:bodyPr/>
+                    <a:lstStyle/>
+                    <a:p>
+                      <a:pPr algn="ctr" rtl="1" fontAlgn="b"/>
+                      <a:r>
+                        <a:rPr lang="he-IL" sz="1400" b="0" i="0" u="none" strike="noStrike">
+                          <a:solidFill>
+                            <a:srgbClr val="000000"/>
+                          </a:solidFill>
+                          <a:effectLst/>
+                          <a:latin typeface="+mn-lt"/>
+                          <a:cs typeface="+mn-cs"/>
+                        </a:rPr>
+                        <a:t>שטח חלקה רשום במ"ר</a:t>
+                      </a:r>
+                    </a:p>
+                  </a:txBody>
+                  <a:tcPr marL="9525" marR="9525" marT="9525" marB="0" anchor="b">
+                    <a:solidFill>
+                      <a:schemeClr val="bg1"/>
+                    </a:solidFill>
+                  </a:tcPr>
+                </a:tc>
+                <a:tc>
+                  <a:txBody>
+                    <a:bodyPr/>
+                    <a:lstStyle/>
+                    <a:p>
+                      <a:pPr algn="ctr" rtl="1" fontAlgn="b"/>
+                      <a:r>
+                        <a:rPr lang="he-IL" sz="1400" b="0" i="0" u="none" strike="noStrike" dirty="0">
+                          <a:solidFill>
+                            <a:srgbClr val="000000"/>
+                          </a:solidFill>
+                          <a:effectLst/>
+                          <a:latin typeface="+mn-lt"/>
+                          <a:cs typeface="+mn-cs"/>
+                        </a:rPr>
+                        <a:t>לא</a:t>
+                      </a:r>
+                    </a:p>
+                  </a:txBody>
+                  <a:tcPr marL="9525" marR="9525" marT="9525" marB="0" anchor="ctr">
+                    <a:solidFill>
+                      <a:schemeClr val="bg1"/>
+                    </a:solidFill>
+                  </a:tcPr>
+                </a:tc>
+                <a:extLst>
+                  <a:ext uri="{0D108BD9-81ED-4DB2-BD59-A6C34878D82A}">
+                    <a16:rowId xmlns:a16="http://schemas.microsoft.com/office/drawing/2014/main" val="3780554462"/>
+                  </a:ext>
+                </a:extLst>
+              </a:tr>
+              <a:tr h="361466">
+                <a:tc>
+                  <a:txBody>
+                    <a:bodyPr/>
+                    <a:lstStyle/>
+                    <a:p>
+                      <a:pPr algn="ctr" rtl="0" fontAlgn="b"/>
+                      <a:r>
+                        <a:rPr lang="en-US" sz="1400" b="0" i="0" u="none" strike="noStrike" dirty="0">
+                          <a:solidFill>
+                            <a:srgbClr val="000000"/>
+                          </a:solidFill>
+                          <a:effectLst/>
+                          <a:latin typeface="+mn-lt"/>
+                          <a:cs typeface="+mn-cs"/>
+                        </a:rPr>
+                        <a:t>LandDesignationPlan</a:t>
+                      </a:r>
+                    </a:p>
+                  </a:txBody>
+                  <a:tcPr marL="9525" marR="9525" marT="9525" marB="0" anchor="ctr">
+                    <a:solidFill>
+                      <a:schemeClr val="bg1"/>
+                    </a:solidFill>
+                  </a:tcPr>
+                </a:tc>
+                <a:tc>
+                  <a:txBody>
+                    <a:bodyPr/>
+                    <a:lstStyle/>
+                    <a:p>
+                      <a:pPr algn="ctr" rtl="0" fontAlgn="b"/>
+                      <a:r>
+                        <a:rPr lang="en-US" sz="1400" b="0" i="0" u="none" strike="noStrike" dirty="0">
+                          <a:solidFill>
+                            <a:srgbClr val="000000"/>
+                          </a:solidFill>
+                          <a:effectLst/>
+                          <a:latin typeface="+mn-lt"/>
+                          <a:cs typeface="+mn-cs"/>
+                        </a:rPr>
+                        <a:t>string</a:t>
+                      </a:r>
+                    </a:p>
+                  </a:txBody>
+                  <a:tcPr marL="9525" marR="9525" marT="9525" marB="0" anchor="ctr">
+                    <a:solidFill>
+                      <a:schemeClr val="bg1"/>
+                    </a:solidFill>
+                  </a:tcPr>
+                </a:tc>
+                <a:tc>
+                  <a:txBody>
+                    <a:bodyPr/>
+                    <a:lstStyle/>
+                    <a:p>
+                      <a:pPr algn="ctr" rtl="1" fontAlgn="b"/>
+                      <a:r>
+                        <a:rPr lang="he-IL" sz="1400" b="0" i="0" u="none" strike="noStrike">
+                          <a:solidFill>
+                            <a:srgbClr val="000000"/>
+                          </a:solidFill>
+                          <a:effectLst/>
+                          <a:latin typeface="+mn-lt"/>
+                          <a:cs typeface="+mn-cs"/>
+                        </a:rPr>
+                        <a:t>יעוד הקרקע</a:t>
+                      </a:r>
+                    </a:p>
+                  </a:txBody>
+                  <a:tcPr marL="9525" marR="9525" marT="9525" marB="0" anchor="b">
+                    <a:solidFill>
+                      <a:schemeClr val="bg1"/>
+                    </a:solidFill>
+                  </a:tcPr>
+                </a:tc>
+                <a:tc>
+                  <a:txBody>
+                    <a:bodyPr/>
+                    <a:lstStyle/>
+                    <a:p>
+                      <a:pPr algn="ctr" rtl="1" fontAlgn="b"/>
+                      <a:r>
+                        <a:rPr lang="he-IL" sz="1400" b="0" i="0" u="none" strike="noStrike" dirty="0">
+                          <a:solidFill>
+                            <a:srgbClr val="000000"/>
+                          </a:solidFill>
+                          <a:effectLst/>
+                          <a:latin typeface="+mn-lt"/>
+                          <a:cs typeface="+mn-cs"/>
+                        </a:rPr>
+                        <a:t>לא</a:t>
+                      </a:r>
+                    </a:p>
+                  </a:txBody>
+                  <a:tcPr marL="9525" marR="9525" marT="9525" marB="0" anchor="ctr">
+                    <a:solidFill>
+                      <a:schemeClr val="bg1"/>
+                    </a:solidFill>
+                  </a:tcPr>
+                </a:tc>
+                <a:extLst>
+                  <a:ext uri="{0D108BD9-81ED-4DB2-BD59-A6C34878D82A}">
+                    <a16:rowId xmlns:a16="http://schemas.microsoft.com/office/drawing/2014/main" val="490110420"/>
+                  </a:ext>
+                </a:extLst>
+              </a:tr>
+              <a:tr h="361466">
+                <a:tc>
+                  <a:txBody>
+                    <a:bodyPr/>
+                    <a:lstStyle/>
+                    <a:p>
+                      <a:pPr algn="ctr" rtl="0" fontAlgn="b"/>
+                      <a:r>
+                        <a:rPr lang="en-US" sz="1400" b="0" i="0" u="none" strike="noStrike" dirty="0">
+                          <a:solidFill>
+                            <a:srgbClr val="000000"/>
+                          </a:solidFill>
+                          <a:effectLst/>
+                          <a:latin typeface="+mn-lt"/>
+                          <a:cs typeface="+mn-cs"/>
+                        </a:rPr>
+                        <a:t>BlockUniqueID</a:t>
+                      </a:r>
+                    </a:p>
+                  </a:txBody>
+                  <a:tcPr marL="9525" marR="9525" marT="9525" marB="0" anchor="ctr">
+                    <a:solidFill>
+                      <a:schemeClr val="bg1"/>
+                    </a:solidFill>
+                  </a:tcPr>
+                </a:tc>
+                <a:tc>
+                  <a:txBody>
+                    <a:bodyPr/>
+                    <a:lstStyle/>
+                    <a:p>
+                      <a:pPr algn="ctr" rtl="0" fontAlgn="b"/>
+                      <a:r>
+                        <a:rPr lang="en-US" sz="1400" b="0" i="0" u="none" strike="noStrike" dirty="0" err="1">
+                          <a:solidFill>
+                            <a:srgbClr val="000000"/>
+                          </a:solidFill>
+                          <a:effectLst/>
+                          <a:latin typeface="+mn-lt"/>
+                          <a:cs typeface="+mn-cs"/>
+                        </a:rPr>
+                        <a:t>int</a:t>
                       </a:r>
                       <a:endParaRPr lang="en-US" sz="1400" b="0" i="0" u="none" strike="noStrike" dirty="0">
                         <a:solidFill>
@@ -4584,9 +4737,9 @@
                     <a:bodyPr/>
                     <a:lstStyle/>
                     <a:p>
-                      <a:pPr algn="ctr" rtl="0" fontAlgn="b"/>
-                      <a:r>
-                        <a:rPr lang="en-US" sz="1400" b="0" i="0" u="none" strike="noStrike" dirty="0" smtClean="0">
+                      <a:pPr algn="ctr" rtl="1" fontAlgn="b"/>
+                      <a:r>
+                        <a:rPr lang="he-IL" sz="1400" b="0" i="0" u="none" strike="noStrike" dirty="0">
                           <a:solidFill>
                             <a:srgbClr val="000000"/>
                           </a:solidFill>
@@ -4594,40 +4747,7 @@
                           <a:latin typeface="+mn-lt"/>
                           <a:cs typeface="+mn-cs"/>
                         </a:rPr>
-                        <a:t>float</a:t>
-                      </a:r>
-                      <a:endParaRPr lang="en-US" sz="1400" b="0" i="0" u="none" strike="noStrike" dirty="0">
-                        <a:solidFill>
-                          <a:srgbClr val="000000"/>
-                        </a:solidFill>
-                        <a:effectLst/>
-                        <a:latin typeface="+mn-lt"/>
-                        <a:cs typeface="+mn-cs"/>
-                      </a:endParaRPr>
-                    </a:p>
-                  </a:txBody>
-                  <a:tcPr marL="9525" marR="9525" marT="9525" marB="0" anchor="ctr">
-                    <a:solidFill>
-                      <a:schemeClr val="bg1"/>
-                    </a:solidFill>
-                  </a:tcPr>
-                </a:tc>
-                <a:tc>
-                  <a:txBody>
-                    <a:bodyPr/>
-                    <a:lstStyle/>
-                    <a:p>
-                      <a:pPr algn="ctr" rtl="1" fontAlgn="b"/>
-                      <a:r>
-                        <a:rPr lang="he-IL" sz="1400" b="0" i="0" u="none" strike="noStrike">
-                          <a:solidFill>
-                            <a:srgbClr val="000000"/>
-                          </a:solidFill>
-                          <a:effectLst/>
-                          <a:latin typeface="+mn-lt"/>
-                          <a:cs typeface="+mn-cs"/>
-                        </a:rPr>
-                        <a:t>שטח חלקה רשום במ"ר</a:t>
+                        <a:t>מזהה הגוש</a:t>
                       </a:r>
                     </a:p>
                   </a:txBody>
@@ -4644,7 +4764,7 @@
                     <a:p>
                       <a:pPr algn="ctr" rtl="1" fontAlgn="b"/>
                       <a:r>
-                        <a:rPr lang="he-IL" sz="1400" b="0" i="0" u="none" strike="noStrike" dirty="0" smtClean="0">
+                        <a:rPr lang="he-IL" sz="1400" b="0" i="0" u="none" strike="noStrike" dirty="0">
                           <a:solidFill>
                             <a:srgbClr val="000000"/>
                           </a:solidFill>
@@ -4654,276 +4774,6 @@
                         </a:rPr>
                         <a:t>לא</a:t>
                       </a:r>
-                      <a:endParaRPr lang="he-IL" sz="1400" b="0" i="0" u="none" strike="noStrike" dirty="0">
-                        <a:solidFill>
-                          <a:srgbClr val="000000"/>
-                        </a:solidFill>
-                        <a:effectLst/>
-                        <a:latin typeface="+mn-lt"/>
-                        <a:cs typeface="+mn-cs"/>
-                      </a:endParaRPr>
-                    </a:p>
-                  </a:txBody>
-                  <a:tcPr marL="9525" marR="9525" marT="9525" marB="0" anchor="ctr">
-                    <a:solidFill>
-                      <a:schemeClr val="bg1"/>
-                    </a:solidFill>
-                  </a:tcPr>
-                </a:tc>
-                <a:extLst>
-                  <a:ext uri="{0D108BD9-81ED-4DB2-BD59-A6C34878D82A}">
-                    <a16:rowId xmlns:a16="http://schemas.microsoft.com/office/drawing/2014/main" val="3780554462"/>
-                  </a:ext>
-                </a:extLst>
-              </a:tr>
-              <a:tr h="361466">
-                <a:tc>
-                  <a:txBody>
-                    <a:bodyPr/>
-                    <a:lstStyle/>
-                    <a:p>
-                      <a:pPr algn="ctr" rtl="0" fontAlgn="b"/>
-                      <a:r>
-                        <a:rPr lang="en-US" sz="1400" b="0" i="0" u="none" strike="noStrike" dirty="0" smtClean="0">
-                          <a:solidFill>
-                            <a:srgbClr val="000000"/>
-                          </a:solidFill>
-                          <a:effectLst/>
-                          <a:latin typeface="+mn-lt"/>
-                          <a:cs typeface="+mn-cs"/>
-                        </a:rPr>
-                        <a:t>LandDesignationPlan</a:t>
-                      </a:r>
-                      <a:endParaRPr lang="en-US" sz="1400" b="0" i="0" u="none" strike="noStrike" dirty="0">
-                        <a:solidFill>
-                          <a:srgbClr val="000000"/>
-                        </a:solidFill>
-                        <a:effectLst/>
-                        <a:latin typeface="+mn-lt"/>
-                        <a:cs typeface="+mn-cs"/>
-                      </a:endParaRPr>
-                    </a:p>
-                  </a:txBody>
-                  <a:tcPr marL="9525" marR="9525" marT="9525" marB="0" anchor="ctr">
-                    <a:solidFill>
-                      <a:schemeClr val="bg1"/>
-                    </a:solidFill>
-                  </a:tcPr>
-                </a:tc>
-                <a:tc>
-                  <a:txBody>
-                    <a:bodyPr/>
-                    <a:lstStyle/>
-                    <a:p>
-                      <a:pPr algn="ctr" rtl="0" fontAlgn="b"/>
-                      <a:r>
-                        <a:rPr lang="en-US" sz="1400" b="0" i="0" u="none" strike="noStrike" dirty="0" smtClean="0">
-                          <a:solidFill>
-                            <a:srgbClr val="000000"/>
-                          </a:solidFill>
-                          <a:effectLst/>
-                          <a:latin typeface="+mn-lt"/>
-                          <a:cs typeface="+mn-cs"/>
-                        </a:rPr>
-                        <a:t>string</a:t>
-                      </a:r>
-                      <a:endParaRPr lang="en-US" sz="1400" b="0" i="0" u="none" strike="noStrike" dirty="0">
-                        <a:solidFill>
-                          <a:srgbClr val="000000"/>
-                        </a:solidFill>
-                        <a:effectLst/>
-                        <a:latin typeface="+mn-lt"/>
-                        <a:cs typeface="+mn-cs"/>
-                      </a:endParaRPr>
-                    </a:p>
-                  </a:txBody>
-                  <a:tcPr marL="9525" marR="9525" marT="9525" marB="0" anchor="ctr">
-                    <a:solidFill>
-                      <a:schemeClr val="bg1"/>
-                    </a:solidFill>
-                  </a:tcPr>
-                </a:tc>
-                <a:tc>
-                  <a:txBody>
-                    <a:bodyPr/>
-                    <a:lstStyle/>
-                    <a:p>
-                      <a:pPr algn="ctr" rtl="1" fontAlgn="b"/>
-                      <a:r>
-                        <a:rPr lang="he-IL" sz="1400" b="0" i="0" u="none" strike="noStrike">
-                          <a:solidFill>
-                            <a:srgbClr val="000000"/>
-                          </a:solidFill>
-                          <a:effectLst/>
-                          <a:latin typeface="+mn-lt"/>
-                          <a:cs typeface="+mn-cs"/>
-                        </a:rPr>
-                        <a:t>יעוד הקרקע</a:t>
-                      </a:r>
-                    </a:p>
-                  </a:txBody>
-                  <a:tcPr marL="9525" marR="9525" marT="9525" marB="0" anchor="b">
-                    <a:solidFill>
-                      <a:schemeClr val="bg1"/>
-                    </a:solidFill>
-                  </a:tcPr>
-                </a:tc>
-                <a:tc>
-                  <a:txBody>
-                    <a:bodyPr/>
-                    <a:lstStyle/>
-                    <a:p>
-                      <a:pPr algn="ctr" rtl="1" fontAlgn="b"/>
-                      <a:r>
-                        <a:rPr lang="he-IL" sz="1400" b="0" i="0" u="none" strike="noStrike" dirty="0" smtClean="0">
-                          <a:solidFill>
-                            <a:srgbClr val="000000"/>
-                          </a:solidFill>
-                          <a:effectLst/>
-                          <a:latin typeface="+mn-lt"/>
-                          <a:cs typeface="+mn-cs"/>
-                        </a:rPr>
-                        <a:t>לא</a:t>
-                      </a:r>
-                      <a:endParaRPr lang="he-IL" sz="1400" b="0" i="0" u="none" strike="noStrike" dirty="0">
-                        <a:solidFill>
-                          <a:srgbClr val="000000"/>
-                        </a:solidFill>
-                        <a:effectLst/>
-                        <a:latin typeface="+mn-lt"/>
-                        <a:cs typeface="+mn-cs"/>
-                      </a:endParaRPr>
-                    </a:p>
-                  </a:txBody>
-                  <a:tcPr marL="9525" marR="9525" marT="9525" marB="0" anchor="ctr">
-                    <a:solidFill>
-                      <a:schemeClr val="bg1"/>
-                    </a:solidFill>
-                  </a:tcPr>
-                </a:tc>
-                <a:extLst>
-                  <a:ext uri="{0D108BD9-81ED-4DB2-BD59-A6C34878D82A}">
-                    <a16:rowId xmlns:a16="http://schemas.microsoft.com/office/drawing/2014/main" val="490110420"/>
-                  </a:ext>
-                </a:extLst>
-              </a:tr>
-              <a:tr h="361466">
-                <a:tc>
-                  <a:txBody>
-                    <a:bodyPr/>
-                    <a:lstStyle/>
-                    <a:p>
-                      <a:pPr algn="ctr" rtl="0" fontAlgn="b"/>
-                      <a:r>
-                        <a:rPr lang="en-US" sz="1400" b="0" i="0" u="none" strike="noStrike" dirty="0" smtClean="0">
-                          <a:solidFill>
-                            <a:srgbClr val="000000"/>
-                          </a:solidFill>
-                          <a:effectLst/>
-                          <a:latin typeface="+mn-lt"/>
-                          <a:cs typeface="+mn-cs"/>
-                        </a:rPr>
-                        <a:t>BlockUniqueID</a:t>
-                      </a:r>
-                      <a:endParaRPr lang="en-US" sz="1400" b="0" i="0" u="none" strike="noStrike" dirty="0">
-                        <a:solidFill>
-                          <a:srgbClr val="000000"/>
-                        </a:solidFill>
-                        <a:effectLst/>
-                        <a:latin typeface="+mn-lt"/>
-                        <a:cs typeface="+mn-cs"/>
-                      </a:endParaRPr>
-                    </a:p>
-                  </a:txBody>
-                  <a:tcPr marL="9525" marR="9525" marT="9525" marB="0" anchor="ctr">
-                    <a:solidFill>
-                      <a:schemeClr val="bg1"/>
-                    </a:solidFill>
-                  </a:tcPr>
-                </a:tc>
-                <a:tc>
-                  <a:txBody>
-                    <a:bodyPr/>
-                    <a:lstStyle/>
-                    <a:p>
-                      <a:pPr algn="ctr" rtl="0" fontAlgn="b"/>
-                      <a:r>
-                        <a:rPr lang="en-US" sz="1400" b="0" i="0" u="none" strike="noStrike" dirty="0" err="1" smtClean="0">
-                          <a:solidFill>
-                            <a:srgbClr val="000000"/>
-                          </a:solidFill>
-                          <a:effectLst/>
-                          <a:latin typeface="+mn-lt"/>
-                          <a:cs typeface="+mn-cs"/>
-                        </a:rPr>
-                        <a:t>int</a:t>
-                      </a:r>
-                      <a:endParaRPr lang="en-US" sz="1400" b="0" i="0" u="none" strike="noStrike" dirty="0">
-                        <a:solidFill>
-                          <a:srgbClr val="000000"/>
-                        </a:solidFill>
-                        <a:effectLst/>
-                        <a:latin typeface="+mn-lt"/>
-                        <a:cs typeface="+mn-cs"/>
-                      </a:endParaRPr>
-                    </a:p>
-                  </a:txBody>
-                  <a:tcPr marL="9525" marR="9525" marT="9525" marB="0" anchor="ctr">
-                    <a:solidFill>
-                      <a:schemeClr val="bg1"/>
-                    </a:solidFill>
-                  </a:tcPr>
-                </a:tc>
-                <a:tc>
-                  <a:txBody>
-                    <a:bodyPr/>
-                    <a:lstStyle/>
-                    <a:p>
-                      <a:pPr algn="ctr" rtl="1" fontAlgn="b"/>
-                      <a:r>
-                        <a:rPr lang="he-IL" sz="1400" b="0" i="0" u="none" strike="noStrike" dirty="0">
-                          <a:solidFill>
-                            <a:srgbClr val="000000"/>
-                          </a:solidFill>
-                          <a:effectLst/>
-                          <a:latin typeface="+mn-lt"/>
-                          <a:cs typeface="+mn-cs"/>
-                        </a:rPr>
-                        <a:t>מזהה הגוש</a:t>
-                      </a:r>
-                    </a:p>
-                  </a:txBody>
-                  <a:tcPr marL="9525" marR="9525" marT="9525" marB="0" anchor="b">
-                    <a:solidFill>
-                      <a:schemeClr val="bg1"/>
-                    </a:solidFill>
-                  </a:tcPr>
-                </a:tc>
-                <a:tc>
-                  <a:txBody>
-                    <a:bodyPr/>
-                    <a:lstStyle/>
-                    <a:p>
-                      <a:pPr algn="ctr" rtl="1" fontAlgn="b"/>
-                      <a:r>
-                        <a:rPr lang="he-IL" sz="1400" b="0" i="0" u="none" strike="noStrike" dirty="0" smtClean="0">
-                          <a:solidFill>
-                            <a:srgbClr val="000000"/>
-                          </a:solidFill>
-                          <a:effectLst/>
-                          <a:latin typeface="+mn-lt"/>
-                          <a:cs typeface="+mn-cs"/>
-                        </a:rPr>
-                        <a:t>לא</a:t>
-                      </a:r>
-                      <a:endParaRPr lang="he-IL" sz="1400" b="0" i="0" u="none" strike="noStrike" dirty="0">
-                        <a:solidFill>
-                          <a:srgbClr val="000000"/>
-                        </a:solidFill>
-                        <a:effectLst/>
-                        <a:latin typeface="+mn-lt"/>
-                        <a:cs typeface="+mn-cs"/>
-                      </a:endParaRPr>
                     </a:p>
                   </a:txBody>
                   <a:tcPr marL="9525" marR="9525" marT="9525" marB="0" anchor="ctr">
@@ -4962,7 +4812,7 @@
                         <a:defRPr/>
                       </a:pPr>
                       <a:r>
-                        <a:rPr lang="en-US" sz="1400" b="0" kern="1200" dirty="0" err="1" smtClean="0">
+                        <a:rPr lang="en-US" sz="1400" b="0" kern="1200" dirty="0" err="1">
                           <a:solidFill>
                             <a:schemeClr val="tx1"/>
                           </a:solidFill>
@@ -4973,7 +4823,7 @@
                         </a:rPr>
                         <a:t>CPBUpdateProcessUniqueID</a:t>
                       </a:r>
-                      <a:endParaRPr lang="en-US" sz="1400" b="0" kern="1200" dirty="0" smtClean="0">
+                      <a:endParaRPr lang="en-US" sz="1400" b="0" kern="1200" dirty="0">
                         <a:solidFill>
                           <a:schemeClr val="tx1"/>
                         </a:solidFill>
@@ -4997,7 +4847,7 @@
                     <a:p>
                       <a:pPr algn="ctr" rtl="0" fontAlgn="b"/>
                       <a:r>
-                        <a:rPr lang="en-US" sz="1400" b="0" i="0" u="none" strike="noStrike" dirty="0" err="1" smtClean="0">
+                        <a:rPr lang="en-US" sz="1400" b="0" i="0" u="none" strike="noStrike" dirty="0" err="1">
                           <a:solidFill>
                             <a:srgbClr val="000000"/>
                           </a:solidFill>
@@ -5055,7 +4905,7 @@
                     <a:p>
                       <a:pPr algn="ctr" rtl="1" fontAlgn="b"/>
                       <a:r>
-                        <a:rPr lang="he-IL" sz="1400" b="0" i="0" u="none" strike="noStrike" dirty="0" smtClean="0">
+                        <a:rPr lang="he-IL" sz="1400" b="0" i="0" u="none" strike="noStrike" dirty="0">
                           <a:solidFill>
                             <a:srgbClr val="000000"/>
                           </a:solidFill>
@@ -5065,14 +4915,6 @@
                         </a:rPr>
                         <a:t>לא</a:t>
                       </a:r>
-                      <a:endParaRPr lang="he-IL" sz="1400" b="0" i="0" u="none" strike="noStrike" dirty="0">
-                        <a:solidFill>
-                          <a:srgbClr val="000000"/>
-                        </a:solidFill>
-                        <a:effectLst/>
-                        <a:latin typeface="+mn-lt"/>
-                        <a:cs typeface="+mn-cs"/>
-                      </a:endParaRPr>
                     </a:p>
                   </a:txBody>
                   <a:tcPr marL="9525" marR="9525" marT="9525" marB="0" anchor="ctr">
@@ -5111,7 +4953,7 @@
                         <a:defRPr/>
                       </a:pPr>
                       <a:r>
-                        <a:rPr lang="en-US" sz="1400" b="0" kern="1200" dirty="0" err="1" smtClean="0">
+                        <a:rPr lang="en-US" sz="1400" b="0" kern="1200" dirty="0" err="1">
                           <a:solidFill>
                             <a:schemeClr val="tx1"/>
                           </a:solidFill>
@@ -5122,7 +4964,7 @@
                         </a:rPr>
                         <a:t>CPBCancelProcessUniqueID</a:t>
                       </a:r>
-                      <a:endParaRPr lang="en-US" sz="1400" b="0" kern="1200" dirty="0" smtClean="0">
+                      <a:endParaRPr lang="en-US" sz="1400" b="0" kern="1200" dirty="0">
                         <a:solidFill>
                           <a:schemeClr val="tx1"/>
                         </a:solidFill>
@@ -5146,7 +4988,7 @@
                     <a:p>
                       <a:pPr algn="ctr" rtl="0" fontAlgn="b"/>
                       <a:r>
-                        <a:rPr lang="en-US" sz="1400" b="0" i="0" u="none" strike="noStrike" dirty="0" err="1" smtClean="0">
+                        <a:rPr lang="en-US" sz="1400" b="0" i="0" u="none" strike="noStrike" dirty="0" err="1">
                           <a:solidFill>
                             <a:srgbClr val="000000"/>
                           </a:solidFill>
@@ -5205,7 +5047,7 @@
                     <a:p>
                       <a:pPr algn="ctr" rtl="1" fontAlgn="b"/>
                       <a:r>
-                        <a:rPr lang="he-IL" sz="1400" b="0" i="0" u="none" strike="noStrike" dirty="0" smtClean="0">
+                        <a:rPr lang="he-IL" sz="1400" b="0" i="0" u="none" strike="noStrike" dirty="0">
                           <a:solidFill>
                             <a:srgbClr val="000000"/>
                           </a:solidFill>
@@ -5253,13 +5095,6 @@
     <a:masterClrMapping/>
   </p:clrMapOvr>
   <p:transition/>
-  <p:timing>
-    <p:tnLst>
-      <p:par>
-        <p:cTn id="1" dur="indefinite" restart="never" nodeType="tmRoot"/>
-      </p:par>
-    </p:tnLst>
-  </p:timing>
 </p:sld>
 </file>
 
@@ -5350,7 +5185,7 @@
               <a:defRPr/>
             </a:pPr>
             <a:r>
-              <a:rPr kumimoji="0" lang="he-IL" sz="3600" b="1" i="0" u="none" strike="noStrike" kern="1200" cap="none" spc="0" normalizeH="0" baseline="0" noProof="0" dirty="0" smtClean="0">
+              <a:rPr kumimoji="0" lang="he-IL" sz="3600" b="1" i="0" u="none" strike="noStrike" kern="1200" cap="none" spc="0" normalizeH="0" baseline="0" noProof="0" dirty="0">
                 <a:ln>
                   <a:noFill/>
                 </a:ln>
@@ -5366,7 +5201,7 @@
               <a:t>הגדרות בסכמה החדשה </a:t>
             </a:r>
             <a:r>
-              <a:rPr kumimoji="0" lang="x-none" sz="3600" b="1" i="0" u="none" strike="noStrike" kern="1200" cap="none" spc="0" normalizeH="0" baseline="0" noProof="0" dirty="0" smtClean="0">
+              <a:rPr kumimoji="0" lang="x-none" sz="3600" b="1" i="0" u="none" strike="noStrike" kern="1200" cap="none" spc="0" normalizeH="0" baseline="0" noProof="0" dirty="0">
                 <a:ln>
                   <a:noFill/>
                 </a:ln>
@@ -5466,7 +5301,7 @@
               <a:defRPr/>
             </a:pPr>
             <a:r>
-              <a:rPr lang="en-US" sz="2000" b="1" dirty="0" err="1" smtClean="0">
+              <a:rPr lang="en-US" sz="2000" b="1" dirty="0" err="1">
                 <a:solidFill>
                   <a:srgbClr val="000000"/>
                 </a:solidFill>
@@ -5564,7 +5399,7 @@
                     <a:p>
                       <a:pPr algn="ctr" rtl="0" fontAlgn="b"/>
                       <a:r>
-                        <a:rPr lang="he-IL" sz="1800" b="0" u="none" strike="noStrike" dirty="0" smtClean="0">
+                        <a:rPr lang="he-IL" sz="1800" b="0" u="none" strike="noStrike" dirty="0">
                           <a:effectLst/>
                         </a:rPr>
                         <a:t>סוג</a:t>
@@ -5779,7 +5614,7 @@
                     <a:p>
                       <a:pPr algn="ctr" rtl="0" fontAlgn="b"/>
                       <a:r>
-                        <a:rPr lang="he-IL" sz="1800" b="0" u="none" strike="noStrike" dirty="0" smtClean="0">
+                        <a:rPr lang="he-IL" sz="1800" b="0" u="none" strike="noStrike" dirty="0">
                           <a:effectLst/>
                         </a:rPr>
                         <a:t>סוג</a:t>
@@ -5985,13 +5820,6 @@
     <a:masterClrMapping/>
   </p:clrMapOvr>
   <p:transition/>
-  <p:timing>
-    <p:tnLst>
-      <p:par>
-        <p:cTn id="1" dur="indefinite" restart="never" nodeType="tmRoot"/>
-      </p:par>
-    </p:tnLst>
-  </p:timing>
 </p:sld>
 </file>
 
@@ -6052,22 +5880,6 @@
               <a:defRPr/>
             </a:pPr>
             <a:r>
-              <a:rPr kumimoji="0" lang="he-IL" sz="4000" b="1" i="0" u="none" strike="noStrike" kern="1200" cap="none" spc="0" normalizeH="0" baseline="0" noProof="0" dirty="0" smtClean="0">
-                <a:ln>
-                  <a:noFill/>
-                </a:ln>
-                <a:solidFill>
-                  <a:srgbClr val="002060"/>
-                </a:solidFill>
-                <a:effectLst/>
-                <a:uLnTx/>
-                <a:uFillTx/>
-                <a:latin typeface="Calibri" panose="020F0502020204030204"/>
-                <a:cs typeface="Arial" panose="020B0604020202020204" pitchFamily="34" charset="0"/>
-              </a:rPr>
-              <a:t>הסבת </a:t>
-            </a:r>
-            <a:r>
               <a:rPr kumimoji="0" lang="he-IL" sz="4000" b="1" i="0" u="none" strike="noStrike" kern="1200" cap="none" spc="0" normalizeH="0" baseline="0" noProof="0" dirty="0">
                 <a:ln>
                   <a:noFill/>
@@ -6081,7 +5893,7 @@
                 <a:latin typeface="Calibri" panose="020F0502020204030204"/>
                 <a:cs typeface="Arial" panose="020B0604020202020204" pitchFamily="34" charset="0"/>
               </a:rPr>
-              <a:t>נתוני </a:t>
+              <a:t>הסבת נתוני </a:t>
             </a:r>
             <a:r>
               <a:rPr kumimoji="0" lang="he-IL" sz="4000" b="1" i="0" u="none" strike="noStrike" kern="1200" cap="none" spc="0" normalizeH="0" baseline="0" noProof="0" dirty="0" err="1">
@@ -6113,23 +5925,7 @@
                 <a:latin typeface="Calibri" panose="020F0502020204030204"/>
                 <a:cs typeface="Arial" panose="020B0604020202020204" pitchFamily="34" charset="0"/>
               </a:rPr>
-              <a:t> אל מול סכמה </a:t>
-            </a:r>
-            <a:r>
-              <a:rPr kumimoji="0" lang="he-IL" sz="4000" b="1" i="0" u="none" strike="noStrike" kern="1200" cap="none" spc="0" normalizeH="0" baseline="0" noProof="0" dirty="0" smtClean="0">
-                <a:ln>
-                  <a:noFill/>
-                </a:ln>
-                <a:solidFill>
-                  <a:srgbClr val="002060"/>
-                </a:solidFill>
-                <a:effectLst/>
-                <a:uLnTx/>
-                <a:uFillTx/>
-                <a:latin typeface="Calibri" panose="020F0502020204030204"/>
-                <a:cs typeface="Arial" panose="020B0604020202020204" pitchFamily="34" charset="0"/>
-              </a:rPr>
-              <a:t>עתידית</a:t>
+              <a:t> אל מול סכמה עתידית</a:t>
             </a:r>
           </a:p>
         </p:txBody>
@@ -6175,13 +5971,6 @@
     <a:masterClrMapping/>
   </p:clrMapOvr>
   <p:transition/>
-  <p:timing>
-    <p:tnLst>
-      <p:par>
-        <p:cTn id="1" dur="indefinite" restart="never" nodeType="tmRoot"/>
-      </p:par>
-    </p:tnLst>
-  </p:timing>
 </p:sld>
 </file>
 
@@ -6218,7 +6007,7 @@
             <p:ph idx="1"/>
             <p:extLst>
               <p:ext uri="{D42A27DB-BD31-4B8C-83A1-F6EECF244321}">
-                <p14:modId xmlns:p14="http://schemas.microsoft.com/office/powerpoint/2010/main" val="2740791071"/>
+                <p14:modId xmlns:p14="http://schemas.microsoft.com/office/powerpoint/2010/main" val="222127404"/>
               </p:ext>
             </p:extLst>
           </p:nvPr>
@@ -6285,7 +6074,7 @@
                     <a:p>
                       <a:pPr algn="ctr"/>
                       <a:r>
-                        <a:rPr lang="he-IL" sz="1200" b="1" dirty="0" smtClean="0">
+                        <a:rPr lang="he-IL" sz="1200" b="1" dirty="0">
                           <a:latin typeface="Segoe UI" panose="020B0502040204020203" pitchFamily="34" charset="0"/>
                           <a:cs typeface="Segoe UI" panose="020B0502040204020203" pitchFamily="34" charset="0"/>
                         </a:rPr>
@@ -6306,77 +6095,46 @@
                     <a:p>
                       <a:pPr algn="ctr"/>
                       <a:r>
-                        <a:rPr lang="he-IL" sz="1200" b="1" dirty="0" smtClean="0">
+                        <a:rPr lang="he-IL" sz="1200" b="1" dirty="0">
                           <a:latin typeface="Segoe UI" panose="020B0502040204020203" pitchFamily="34" charset="0"/>
                           <a:cs typeface="Segoe UI" panose="020B0502040204020203" pitchFamily="34" charset="0"/>
                         </a:rPr>
                         <a:t>כמות</a:t>
-                      </a:r>
-                      <a:endParaRPr lang="en-US" sz="1200" b="1" dirty="0" smtClean="0">
-                        <a:latin typeface="Segoe UI" panose="020B0502040204020203" pitchFamily="34" charset="0"/>
-                        <a:cs typeface="Segoe UI" panose="020B0502040204020203" pitchFamily="34" charset="0"/>
-                      </a:endParaRPr>
-                    </a:p>
-                    <a:p>
-                      <a:pPr algn="ctr"/>
-                      <a:r>
-                        <a:rPr lang="he-IL" sz="1200" b="1" dirty="0" smtClean="0">
-                          <a:latin typeface="Segoe UI" panose="020B0502040204020203" pitchFamily="34" charset="0"/>
-                          <a:cs typeface="Segoe UI" panose="020B0502040204020203" pitchFamily="34" charset="0"/>
-                        </a:rPr>
-                        <a:t>שדות</a:t>
-                      </a:r>
-                      <a:r>
-                        <a:rPr lang="en-US" sz="1200" b="1" dirty="0" smtClean="0">
-                          <a:latin typeface="Segoe UI" panose="020B0502040204020203" pitchFamily="34" charset="0"/>
-                          <a:cs typeface="Segoe UI" panose="020B0502040204020203" pitchFamily="34" charset="0"/>
-                        </a:rPr>
-                        <a:t> </a:t>
-                      </a:r>
-                      <a:endParaRPr lang="he-IL" sz="1200" b="1" dirty="0" smtClean="0">
-                        <a:latin typeface="Segoe UI" panose="020B0502040204020203" pitchFamily="34" charset="0"/>
-                        <a:cs typeface="Segoe UI" panose="020B0502040204020203" pitchFamily="34" charset="0"/>
-                      </a:endParaRPr>
-                    </a:p>
-                    <a:p>
-                      <a:pPr algn="ctr"/>
-                      <a:r>
-                        <a:rPr lang="he-IL" sz="1200" b="1" dirty="0" smtClean="0">
-                          <a:latin typeface="Segoe UI" panose="020B0502040204020203" pitchFamily="34" charset="0"/>
-                          <a:cs typeface="Segoe UI" panose="020B0502040204020203" pitchFamily="34" charset="0"/>
-                        </a:rPr>
-                        <a:t>לשימוש</a:t>
                       </a:r>
                       <a:endParaRPr lang="en-US" sz="1200" b="1" dirty="0">
                         <a:latin typeface="Segoe UI" panose="020B0502040204020203" pitchFamily="34" charset="0"/>
                         <a:cs typeface="Segoe UI" panose="020B0502040204020203" pitchFamily="34" charset="0"/>
                       </a:endParaRPr>
                     </a:p>
-                  </a:txBody>
-                  <a:tcPr anchor="ctr"/>
-                </a:tc>
-                <a:tc>
-                  <a:txBody>
-                    <a:bodyPr/>
-                    <a:lstStyle/>
                     <a:p>
                       <a:pPr algn="ctr"/>
                       <a:r>
-                        <a:rPr lang="he-IL" sz="1200" b="1" dirty="0" smtClean="0">
+                        <a:rPr lang="he-IL" sz="1200" b="1" dirty="0">
                           <a:latin typeface="Segoe UI" panose="020B0502040204020203" pitchFamily="34" charset="0"/>
                           <a:cs typeface="Segoe UI" panose="020B0502040204020203" pitchFamily="34" charset="0"/>
                         </a:rPr>
-                        <a:t>כמות </a:t>
-                      </a:r>
-                    </a:p>
-                    <a:p>
-                      <a:pPr algn="ctr"/>
-                      <a:r>
-                        <a:rPr lang="he-IL" sz="1200" b="1" dirty="0" smtClean="0">
+                        <a:t>שדות</a:t>
+                      </a:r>
+                      <a:r>
+                        <a:rPr lang="en-US" sz="1200" b="1" dirty="0">
                           <a:latin typeface="Segoe UI" panose="020B0502040204020203" pitchFamily="34" charset="0"/>
                           <a:cs typeface="Segoe UI" panose="020B0502040204020203" pitchFamily="34" charset="0"/>
                         </a:rPr>
-                        <a:t>רשומות</a:t>
+                        <a:t> </a:t>
+                      </a:r>
+                      <a:endParaRPr lang="he-IL" sz="1200" b="1" dirty="0">
+                        <a:latin typeface="Segoe UI" panose="020B0502040204020203" pitchFamily="34" charset="0"/>
+                        <a:cs typeface="Segoe UI" panose="020B0502040204020203" pitchFamily="34" charset="0"/>
+                      </a:endParaRPr>
+                    </a:p>
+                    <a:p>
+                      <a:pPr algn="ctr"/>
+                      <a:r>
+                        <a:rPr lang="he-IL" sz="1200" b="1" dirty="0">
+                          <a:latin typeface="Segoe UI" panose="020B0502040204020203" pitchFamily="34" charset="0"/>
+                          <a:cs typeface="Segoe UI" panose="020B0502040204020203" pitchFamily="34" charset="0"/>
+                        </a:rPr>
+                        <a:t>לשימוש</a:t>
                       </a:r>
                       <a:endParaRPr lang="en-US" sz="1200" b="1" dirty="0">
                         <a:latin typeface="Segoe UI" panose="020B0502040204020203" pitchFamily="34" charset="0"/>
@@ -6393,11 +6151,21 @@
                     <a:p>
                       <a:pPr algn="ctr"/>
                       <a:r>
-                        <a:rPr lang="he-IL" sz="1200" b="1" dirty="0" smtClean="0">
+                        <a:rPr lang="he-IL" sz="1200" b="1" dirty="0">
                           <a:latin typeface="Segoe UI" panose="020B0502040204020203" pitchFamily="34" charset="0"/>
                           <a:cs typeface="Segoe UI" panose="020B0502040204020203" pitchFamily="34" charset="0"/>
                         </a:rPr>
-                        <a:t>תיאור</a:t>
+                        <a:t>כמות </a:t>
+                      </a:r>
+                    </a:p>
+                    <a:p>
+                      <a:pPr algn="ctr"/>
+                      <a:r>
+                        <a:rPr lang="he-IL" sz="1200" b="1" dirty="0">
+                          <a:latin typeface="Segoe UI" panose="020B0502040204020203" pitchFamily="34" charset="0"/>
+                          <a:cs typeface="Segoe UI" panose="020B0502040204020203" pitchFamily="34" charset="0"/>
+                        </a:rPr>
+                        <a:t>רשומות</a:t>
                       </a:r>
                       <a:endParaRPr lang="en-US" sz="1200" b="1" dirty="0">
                         <a:latin typeface="Segoe UI" panose="020B0502040204020203" pitchFamily="34" charset="0"/>
@@ -6414,11 +6182,11 @@
                     <a:p>
                       <a:pPr algn="ctr"/>
                       <a:r>
-                        <a:rPr lang="he-IL" sz="1200" b="1" dirty="0" smtClean="0">
+                        <a:rPr lang="he-IL" sz="1200" b="1" dirty="0">
                           <a:latin typeface="Segoe UI" panose="020B0502040204020203" pitchFamily="34" charset="0"/>
                           <a:cs typeface="Segoe UI" panose="020B0502040204020203" pitchFamily="34" charset="0"/>
                         </a:rPr>
-                        <a:t>שם</a:t>
+                        <a:t>תיאור</a:t>
                       </a:r>
                       <a:endParaRPr lang="en-US" sz="1200" b="1" dirty="0">
                         <a:latin typeface="Segoe UI" panose="020B0502040204020203" pitchFamily="34" charset="0"/>
@@ -6435,7 +6203,28 @@
                     <a:p>
                       <a:pPr algn="ctr"/>
                       <a:r>
-                        <a:rPr lang="he-IL" sz="1200" b="1" smtClean="0">
+                        <a:rPr lang="he-IL" sz="1200" b="1" dirty="0">
+                          <a:latin typeface="Segoe UI" panose="020B0502040204020203" pitchFamily="34" charset="0"/>
+                          <a:cs typeface="Segoe UI" panose="020B0502040204020203" pitchFamily="34" charset="0"/>
+                        </a:rPr>
+                        <a:t>שם</a:t>
+                      </a:r>
+                      <a:endParaRPr lang="en-US" sz="1200" b="1" dirty="0">
+                        <a:latin typeface="Segoe UI" panose="020B0502040204020203" pitchFamily="34" charset="0"/>
+                        <a:cs typeface="Segoe UI" panose="020B0502040204020203" pitchFamily="34" charset="0"/>
+                      </a:endParaRPr>
+                    </a:p>
+                  </a:txBody>
+                  <a:tcPr anchor="ctr"/>
+                </a:tc>
+                <a:tc>
+                  <a:txBody>
+                    <a:bodyPr/>
+                    <a:lstStyle/>
+                    <a:p>
+                      <a:pPr algn="ctr"/>
+                      <a:r>
+                        <a:rPr lang="he-IL" sz="1200" b="1">
                           <a:latin typeface="Segoe UI" panose="020B0502040204020203" pitchFamily="34" charset="0"/>
                           <a:cs typeface="Segoe UI" panose="020B0502040204020203" pitchFamily="34" charset="0"/>
                         </a:rPr>
@@ -6478,7 +6267,7 @@
                         <a:defRPr/>
                       </a:pPr>
                       <a:r>
-                        <a:rPr lang="he-IL" sz="1100" b="0" kern="1200" baseline="0" noProof="0" dirty="0" smtClean="0">
+                        <a:rPr lang="he-IL" sz="1100" b="0" kern="1200" baseline="0" noProof="0" dirty="0">
                           <a:solidFill>
                             <a:schemeClr val="tx1"/>
                           </a:solidFill>
@@ -6522,7 +6311,7 @@
                         <a:defRPr/>
                       </a:pPr>
                       <a:r>
-                        <a:rPr lang="he-IL" sz="1100" b="0" kern="1200" baseline="0" noProof="0" dirty="0" smtClean="0">
+                        <a:rPr lang="he-IL" sz="1100" b="0" kern="1200" baseline="0" noProof="0" dirty="0">
                           <a:solidFill>
                             <a:schemeClr val="tx1"/>
                           </a:solidFill>
@@ -6565,6 +6354,17 @@
                         <a:buNone/>
                         <a:defRPr/>
                       </a:pPr>
+                      <a:r>
+                        <a:rPr lang="he-IL" sz="1100" b="0" kern="1200" baseline="0" noProof="0" dirty="0">
+                          <a:solidFill>
+                            <a:schemeClr val="tx1"/>
+                          </a:solidFill>
+                          <a:latin typeface="+mn-lt"/>
+                          <a:ea typeface="+mn-ea"/>
+                          <a:cs typeface="Segoe UI" panose="020B0502040204020203" pitchFamily="34" charset="0"/>
+                        </a:rPr>
+                        <a:t>90,130</a:t>
+                      </a:r>
                       <a:endParaRPr lang="en-US" sz="1100" b="0" kern="1200" baseline="0" noProof="0" dirty="0">
                         <a:solidFill>
                           <a:schemeClr val="tx1"/>
@@ -6584,7 +6384,7 @@
                     <a:p>
                       <a:pPr algn="r" rtl="1"/>
                       <a:r>
-                        <a:rPr lang="he-IL" sz="1100" b="0" dirty="0" smtClean="0">
+                        <a:rPr lang="he-IL" sz="1100" b="0" dirty="0">
                           <a:solidFill>
                             <a:schemeClr val="tx1"/>
                           </a:solidFill>
@@ -6611,7 +6411,7 @@
                     <a:p>
                       <a:pPr algn="ctr" rtl="0"/>
                       <a:r>
-                        <a:rPr lang="he-IL" sz="1200" b="1" dirty="0" smtClean="0">
+                        <a:rPr lang="he-IL" sz="1200" b="1" dirty="0">
                           <a:solidFill>
                             <a:schemeClr val="tx1"/>
                           </a:solidFill>
@@ -6620,7 +6420,7 @@
                         </a:rPr>
                         <a:t>שכבת חלקות היסטוריות</a:t>
                       </a:r>
-                      <a:endParaRPr lang="he-IL" sz="1200" b="1" dirty="0" smtClean="0">
+                      <a:endParaRPr lang="he-IL" sz="1200" b="1" dirty="0">
                         <a:solidFill>
                           <a:schemeClr val="tx1"/>
                         </a:solidFill>
@@ -6632,7 +6432,7 @@
                     <a:p>
                       <a:pPr algn="ctr" rtl="0"/>
                       <a:r>
-                        <a:rPr lang="en-US" sz="1100" b="0" i="1" dirty="0" smtClean="0">
+                        <a:rPr lang="en-US" sz="1100" b="0" i="1" dirty="0">
                           <a:solidFill>
                             <a:schemeClr val="tx1"/>
                           </a:solidFill>
@@ -6659,7 +6459,7 @@
                     <a:p>
                       <a:pPr algn="ctr"/>
                       <a:r>
-                        <a:rPr lang="en-US" sz="1100" b="0" dirty="0" err="1" smtClean="0">
+                        <a:rPr lang="en-US" sz="1100" b="0" dirty="0" err="1">
                           <a:solidFill>
                             <a:schemeClr val="tx1"/>
                           </a:solidFill>
@@ -6709,7 +6509,7 @@
                         <a:defRPr/>
                       </a:pPr>
                       <a:r>
-                        <a:rPr lang="he-IL" sz="1100" b="0" kern="1200" baseline="0" noProof="0" dirty="0" smtClean="0">
+                        <a:rPr lang="he-IL" sz="1100" b="0" kern="1200" baseline="0" noProof="0" dirty="0">
                           <a:solidFill>
                             <a:schemeClr val="tx1"/>
                           </a:solidFill>
@@ -6719,7 +6519,7 @@
                         </a:rPr>
                         <a:t>יאוחד לטבלה אחת</a:t>
                       </a:r>
-                      <a:endParaRPr lang="en-US" sz="1100" b="0" kern="1200" baseline="0" noProof="0" dirty="0" smtClean="0">
+                      <a:endParaRPr lang="en-US" sz="1100" b="0" kern="1200" baseline="0" noProof="0" dirty="0">
                         <a:solidFill>
                           <a:schemeClr val="tx1"/>
                         </a:solidFill>
@@ -6779,7 +6579,7 @@
                         <a:defRPr/>
                       </a:pPr>
                       <a:r>
-                        <a:rPr lang="he-IL" sz="1100" b="0" kern="1200" baseline="0" noProof="0" dirty="0" smtClean="0">
+                        <a:rPr lang="he-IL" sz="1100" b="0" kern="1200" baseline="0" noProof="0" dirty="0">
                           <a:solidFill>
                             <a:schemeClr val="tx1"/>
                           </a:solidFill>
@@ -6822,6 +6622,17 @@
                         <a:buNone/>
                         <a:defRPr/>
                       </a:pPr>
+                      <a:r>
+                        <a:rPr lang="he-IL" sz="1100" b="0" kern="1200" baseline="0" noProof="0" dirty="0">
+                          <a:solidFill>
+                            <a:schemeClr val="tx1"/>
+                          </a:solidFill>
+                          <a:latin typeface="+mn-lt"/>
+                          <a:ea typeface="+mn-ea"/>
+                          <a:cs typeface="Segoe UI" panose="020B0502040204020203" pitchFamily="34" charset="0"/>
+                        </a:rPr>
+                        <a:t>כ-954,468</a:t>
+                      </a:r>
                       <a:endParaRPr lang="en-US" sz="1100" b="0" kern="1200" baseline="0" noProof="0" dirty="0">
                         <a:solidFill>
                           <a:schemeClr val="tx1"/>
@@ -6841,17 +6652,17 @@
                     <a:p>
                       <a:pPr algn="r" rtl="1"/>
                       <a:r>
-                        <a:rPr lang="he-IL" sz="1100" b="0" dirty="0" smtClean="0">
+                        <a:rPr lang="he-IL" sz="1100" b="0" dirty="0">
                           <a:solidFill>
                             <a:schemeClr val="tx1"/>
                           </a:solidFill>
                           <a:latin typeface="+mn-lt"/>
                           <a:cs typeface="Segoe UI" panose="020B0502040204020203" pitchFamily="34" charset="0"/>
                         </a:rPr>
-                        <a:t>איסוף כל החלקות המבוטלות מכל </a:t>
-                      </a:r>
-                      <a:r>
-                        <a:rPr lang="he-IL" sz="1100" b="0" dirty="0" err="1" smtClean="0">
+                        <a:t>0איסוף כל החלקות המבוטלות מכל </a:t>
+                      </a:r>
+                      <a:r>
+                        <a:rPr lang="he-IL" sz="1100" b="0" dirty="0" err="1">
                           <a:solidFill>
                             <a:schemeClr val="tx1"/>
                           </a:solidFill>
@@ -6861,7 +6672,7 @@
                         <a:t>הרפליקציות</a:t>
                       </a:r>
                       <a:r>
-                        <a:rPr lang="he-IL" sz="1100" b="0" dirty="0" smtClean="0">
+                        <a:rPr lang="he-IL" sz="1100" b="0" dirty="0">
                           <a:solidFill>
                             <a:schemeClr val="tx1"/>
                           </a:solidFill>
@@ -6888,7 +6699,7 @@
                     <a:p>
                       <a:pPr algn="ctr" rtl="0"/>
                       <a:r>
-                        <a:rPr lang="he-IL" sz="1200" b="1" dirty="0" smtClean="0">
+                        <a:rPr lang="he-IL" sz="1200" b="1" dirty="0">
                           <a:solidFill>
                             <a:schemeClr val="tx1"/>
                           </a:solidFill>
@@ -6901,7 +6712,7 @@
                     <a:p>
                       <a:pPr algn="ctr" rtl="0"/>
                       <a:r>
-                        <a:rPr lang="en-US" sz="1200" b="0" i="1" dirty="0" smtClean="0">
+                        <a:rPr lang="en-US" sz="1200" b="0" i="1" dirty="0">
                           <a:solidFill>
                             <a:schemeClr val="tx1"/>
                           </a:solidFill>
@@ -6911,7 +6722,7 @@
                         <a:t>Layer=</a:t>
                       </a:r>
                       <a:r>
-                        <a:rPr lang="en-US" sz="1200" b="0" i="1" dirty="0" err="1" smtClean="0">
+                        <a:rPr lang="en-US" sz="1200" b="0" i="1" dirty="0" err="1">
                           <a:solidFill>
                             <a:schemeClr val="tx1"/>
                           </a:solidFill>
@@ -6920,7 +6731,7 @@
                         </a:rPr>
                         <a:t>CanceldParcels</a:t>
                       </a:r>
-                      <a:endParaRPr lang="en-US" sz="1200" b="0" i="1" dirty="0" smtClean="0">
+                      <a:endParaRPr lang="en-US" sz="1200" b="0" i="1" dirty="0">
                         <a:solidFill>
                           <a:schemeClr val="tx1"/>
                         </a:solidFill>
@@ -6938,7 +6749,7 @@
                     <a:p>
                       <a:pPr algn="ctr"/>
                       <a:r>
-                        <a:rPr lang="en-US" sz="1100" b="0" dirty="0" err="1" smtClean="0">
+                        <a:rPr lang="en-US" sz="1100" b="0" dirty="0" err="1">
                           <a:solidFill>
                             <a:schemeClr val="tx1"/>
                           </a:solidFill>
@@ -6988,7 +6799,7 @@
                         <a:defRPr/>
                       </a:pPr>
                       <a:r>
-                        <a:rPr lang="he-IL" sz="1100" b="0" kern="1200" baseline="0" noProof="0" dirty="0" smtClean="0">
+                        <a:rPr lang="he-IL" sz="1100" b="0" kern="1200" baseline="0" noProof="0" dirty="0">
                           <a:solidFill>
                             <a:schemeClr val="tx1"/>
                           </a:solidFill>
@@ -6998,7 +6809,7 @@
                         </a:rPr>
                         <a:t>יאוחד לטבלה אחת</a:t>
                       </a:r>
-                      <a:endParaRPr lang="en-US" sz="1100" b="0" kern="1200" baseline="0" noProof="0" dirty="0" smtClean="0">
+                      <a:endParaRPr lang="en-US" sz="1100" b="0" kern="1200" baseline="0" noProof="0" dirty="0">
                         <a:solidFill>
                           <a:schemeClr val="tx1"/>
                         </a:solidFill>
@@ -7058,7 +6869,7 @@
                         <a:defRPr/>
                       </a:pPr>
                       <a:r>
-                        <a:rPr lang="he-IL" sz="1100" b="0" kern="1200" baseline="0" noProof="0" dirty="0" smtClean="0">
+                        <a:rPr lang="he-IL" sz="1100" b="0" kern="1200" baseline="0" noProof="0" dirty="0">
                           <a:solidFill>
                             <a:schemeClr val="tx1"/>
                           </a:solidFill>
@@ -7101,6 +6912,17 @@
                         <a:buNone/>
                         <a:defRPr/>
                       </a:pPr>
+                      <a:r>
+                        <a:rPr lang="he-IL" sz="1100" b="0" kern="1200" baseline="0" noProof="0" dirty="0">
+                          <a:solidFill>
+                            <a:schemeClr val="tx1"/>
+                          </a:solidFill>
+                          <a:latin typeface="+mn-lt"/>
+                          <a:ea typeface="+mn-ea"/>
+                          <a:cs typeface="Segoe UI" panose="020B0502040204020203" pitchFamily="34" charset="0"/>
+                        </a:rPr>
+                        <a:t>כ-1,172,175</a:t>
+                      </a:r>
                       <a:endParaRPr lang="en-US" sz="1100" b="0" kern="1200" baseline="0" noProof="0" dirty="0">
                         <a:solidFill>
                           <a:schemeClr val="tx1"/>
@@ -7120,7 +6942,7 @@
                     <a:p>
                       <a:pPr algn="r" rtl="1"/>
                       <a:r>
-                        <a:rPr lang="he-IL" sz="1100" b="0" dirty="0" smtClean="0">
+                        <a:rPr lang="he-IL" sz="1100" b="0" dirty="0">
                           <a:solidFill>
                             <a:schemeClr val="tx1"/>
                           </a:solidFill>
@@ -7130,7 +6952,7 @@
                         <a:t>טבלת חלקות מבוטלות מ-</a:t>
                       </a:r>
                       <a:r>
-                        <a:rPr lang="en-US" sz="1100" b="0" dirty="0" smtClean="0">
+                        <a:rPr lang="en-US" sz="1100" b="0" dirty="0">
                           <a:solidFill>
                             <a:schemeClr val="tx1"/>
                           </a:solidFill>
@@ -7139,13 +6961,6 @@
                         </a:rPr>
                         <a:t>oracle</a:t>
                       </a:r>
-                      <a:endParaRPr lang="en-US" sz="1100" b="0" dirty="0">
-                        <a:solidFill>
-                          <a:schemeClr val="tx1"/>
-                        </a:solidFill>
-                        <a:latin typeface="+mn-lt"/>
-                        <a:cs typeface="Segoe UI" panose="020B0502040204020203" pitchFamily="34" charset="0"/>
-                      </a:endParaRPr>
                     </a:p>
                   </a:txBody>
                   <a:tcPr anchor="ctr"/>
@@ -7157,7 +6972,7 @@
                     <a:p>
                       <a:pPr algn="ctr" rtl="0"/>
                       <a:r>
-                        <a:rPr lang="en-US" sz="1200" b="0" i="1" baseline="0" dirty="0" smtClean="0">
+                        <a:rPr lang="en-US" sz="1200" b="0" i="1" baseline="0" dirty="0">
                           <a:solidFill>
                             <a:schemeClr val="tx1"/>
                           </a:solidFill>
@@ -7167,7 +6982,7 @@
                         <a:t> </a:t>
                       </a:r>
                       <a:r>
-                        <a:rPr lang="he-IL" sz="1200" b="1" dirty="0" smtClean="0">
+                        <a:rPr lang="he-IL" sz="1200" b="1" dirty="0">
                           <a:solidFill>
                             <a:schemeClr val="tx1"/>
                           </a:solidFill>
@@ -7187,7 +7002,7 @@
                     <a:p>
                       <a:pPr algn="ctr"/>
                       <a:r>
-                        <a:rPr lang="en-US" sz="1100" b="0" dirty="0" smtClean="0">
+                        <a:rPr lang="en-US" sz="1100" b="0" dirty="0">
                           <a:solidFill>
                             <a:schemeClr val="tx1"/>
                           </a:solidFill>
@@ -7196,13 +7011,6 @@
                         </a:rPr>
                         <a:t>csv</a:t>
                       </a:r>
-                      <a:endParaRPr lang="en-US" sz="1100" b="0" dirty="0">
-                        <a:solidFill>
-                          <a:schemeClr val="tx1"/>
-                        </a:solidFill>
-                        <a:latin typeface="+mn-lt"/>
-                        <a:cs typeface="Segoe UI" panose="020B0502040204020203" pitchFamily="34" charset="0"/>
-                      </a:endParaRPr>
                     </a:p>
                   </a:txBody>
                   <a:tcPr anchor="ctr"/>
@@ -7237,7 +7045,7 @@
                         <a:defRPr/>
                       </a:pPr>
                       <a:r>
-                        <a:rPr lang="he-IL" sz="1100" b="0" kern="1200" baseline="0" dirty="0" smtClean="0">
+                        <a:rPr lang="he-IL" sz="1100" b="0" kern="1200" baseline="0" dirty="0">
                           <a:solidFill>
                             <a:schemeClr val="tx1"/>
                           </a:solidFill>
@@ -7248,7 +7056,7 @@
                         <a:t>לקבלת מספר מזהה של גוש לשדה </a:t>
                       </a:r>
                       <a:r>
-                        <a:rPr lang="en-US" sz="1100" b="0" i="0" u="none" strike="noStrike" dirty="0" err="1" smtClean="0">
+                        <a:rPr lang="en-US" sz="1100" b="0" i="0" u="none" strike="noStrike" dirty="0" err="1">
                           <a:solidFill>
                             <a:srgbClr val="000000"/>
                           </a:solidFill>
@@ -7258,7 +7066,7 @@
                         </a:rPr>
                         <a:t>BlockUniqueID</a:t>
                       </a:r>
-                      <a:endParaRPr lang="he-IL" sz="1100" b="0" kern="1200" baseline="0" dirty="0" smtClean="0">
+                      <a:endParaRPr lang="he-IL" sz="1100" b="0" kern="1200" baseline="0" dirty="0">
                         <a:solidFill>
                           <a:schemeClr val="tx1"/>
                         </a:solidFill>
@@ -7292,7 +7100,7 @@
                         <a:defRPr/>
                       </a:pPr>
                       <a:r>
-                        <a:rPr lang="en-US" sz="1100" b="0" kern="1200" baseline="0" noProof="0" dirty="0" smtClean="0">
+                        <a:rPr lang="en-US" sz="1100" b="0" kern="1200" baseline="0" noProof="0" dirty="0">
                           <a:solidFill>
                             <a:schemeClr val="tx1"/>
                           </a:solidFill>
@@ -7302,14 +7110,6 @@
                         </a:rPr>
                         <a:t>3</a:t>
                       </a:r>
-                      <a:endParaRPr lang="en-US" sz="1100" b="0" kern="1200" baseline="0" noProof="0" dirty="0">
-                        <a:solidFill>
-                          <a:schemeClr val="tx1"/>
-                        </a:solidFill>
-                        <a:latin typeface="+mn-lt"/>
-                        <a:ea typeface="+mn-ea"/>
-                        <a:cs typeface="Segoe UI" panose="020B0502040204020203" pitchFamily="34" charset="0"/>
-                      </a:endParaRPr>
                     </a:p>
                   </a:txBody>
                   <a:tcPr anchor="ctr"/>
@@ -7336,7 +7136,7 @@
                         <a:defRPr/>
                       </a:pPr>
                       <a:r>
-                        <a:rPr lang="he-IL" sz="1100" kern="1200" dirty="0" smtClean="0">
+                        <a:rPr lang="he-IL" sz="1100" kern="1200" dirty="0">
                           <a:solidFill>
                             <a:schemeClr val="dk1"/>
                           </a:solidFill>
@@ -7365,7 +7165,7 @@
                     <a:p>
                       <a:pPr algn="r" rtl="1"/>
                       <a:r>
-                        <a:rPr lang="he-IL" sz="1100" b="0" dirty="0" smtClean="0">
+                        <a:rPr lang="he-IL" sz="1100" b="0" dirty="0">
                           <a:solidFill>
                             <a:schemeClr val="tx1"/>
                           </a:solidFill>
@@ -7375,7 +7175,7 @@
                         <a:t>שכבת</a:t>
                       </a:r>
                       <a:r>
-                        <a:rPr lang="he-IL" sz="1100" b="0" baseline="0" dirty="0" smtClean="0">
+                        <a:rPr lang="he-IL" sz="1100" b="0" baseline="0" dirty="0">
                           <a:solidFill>
                             <a:schemeClr val="tx1"/>
                           </a:solidFill>
@@ -7385,7 +7185,7 @@
                         <a:t> גבולות גושי </a:t>
                       </a:r>
                       <a:r>
-                        <a:rPr lang="he-IL" sz="1100" b="0" baseline="0" dirty="0" err="1" smtClean="0">
+                        <a:rPr lang="he-IL" sz="1100" b="0" baseline="0" dirty="0" err="1">
                           <a:solidFill>
                             <a:schemeClr val="tx1"/>
                           </a:solidFill>
@@ -7395,7 +7195,7 @@
                         <a:t>קדסטר</a:t>
                       </a:r>
                       <a:r>
-                        <a:rPr lang="he-IL" sz="1100" b="0" baseline="0" dirty="0" smtClean="0">
+                        <a:rPr lang="he-IL" sz="1100" b="0" baseline="0" dirty="0">
                           <a:solidFill>
                             <a:schemeClr val="tx1"/>
                           </a:solidFill>
@@ -7422,7 +7222,7 @@
                     <a:p>
                       <a:pPr algn="ctr" rtl="0"/>
                       <a:r>
-                        <a:rPr lang="he-IL" sz="1200" b="1" dirty="0" smtClean="0">
+                        <a:rPr lang="he-IL" sz="1200" b="1" dirty="0">
                           <a:solidFill>
                             <a:schemeClr val="tx1"/>
                           </a:solidFill>
@@ -7435,7 +7235,7 @@
                     <a:p>
                       <a:pPr algn="ctr" rtl="0"/>
                       <a:r>
-                        <a:rPr lang="en-US" sz="1200" b="0" i="1" dirty="0" smtClean="0">
+                        <a:rPr lang="en-US" sz="1200" b="0" i="1" dirty="0">
                           <a:solidFill>
                             <a:schemeClr val="tx1"/>
                           </a:solidFill>
@@ -7444,13 +7244,6 @@
                         </a:rPr>
                         <a:t>Layer=Blocks</a:t>
                       </a:r>
-                      <a:endParaRPr lang="en-US" sz="1200" b="0" i="1" dirty="0">
-                        <a:solidFill>
-                          <a:schemeClr val="tx1"/>
-                        </a:solidFill>
-                        <a:latin typeface="+mn-lt"/>
-                        <a:cs typeface="Segoe UI" panose="020B0502040204020203" pitchFamily="34" charset="0"/>
-                      </a:endParaRPr>
                     </a:p>
                   </a:txBody>
                   <a:tcPr anchor="ctr"/>
@@ -7462,7 +7255,7 @@
                     <a:p>
                       <a:pPr algn="ctr"/>
                       <a:r>
-                        <a:rPr lang="en-US" sz="1100" b="0" dirty="0" err="1" smtClean="0">
+                        <a:rPr lang="en-US" sz="1100" b="0" dirty="0" err="1">
                           <a:solidFill>
                             <a:schemeClr val="tx1"/>
                           </a:solidFill>
@@ -7512,7 +7305,7 @@
                         <a:defRPr/>
                       </a:pPr>
                       <a:r>
-                        <a:rPr lang="he-IL" sz="1100" b="0" kern="1200" baseline="0" dirty="0" smtClean="0">
+                        <a:rPr lang="he-IL" sz="1100" b="0" kern="1200" baseline="0" dirty="0">
                           <a:solidFill>
                             <a:schemeClr val="tx1"/>
                           </a:solidFill>
@@ -7523,7 +7316,7 @@
                         <a:t>לקבלת מספר מזהה של תהליך לשדות</a:t>
                       </a:r>
                       <a:r>
-                        <a:rPr lang="en-US" sz="1100" b="0" kern="1200" baseline="0" dirty="0" smtClean="0">
+                        <a:rPr lang="en-US" sz="1100" b="0" kern="1200" baseline="0" dirty="0">
                           <a:solidFill>
                             <a:schemeClr val="tx1"/>
                           </a:solidFill>
@@ -7534,7 +7327,7 @@
                         <a:t> </a:t>
                       </a:r>
                       <a:r>
-                        <a:rPr lang="en-US" sz="1100" b="0" i="0" u="none" strike="noStrike" dirty="0" err="1" smtClean="0">
+                        <a:rPr lang="en-US" sz="1100" b="0" i="0" u="none" strike="noStrike" dirty="0" err="1">
                           <a:solidFill>
                             <a:srgbClr val="000000"/>
                           </a:solidFill>
@@ -7545,7 +7338,7 @@
                         <a:t>CPBCreateProcessUniqueID</a:t>
                       </a:r>
                       <a:r>
-                        <a:rPr lang="he-IL" sz="1100" b="0" i="0" u="none" strike="noStrike" dirty="0" smtClean="0">
+                        <a:rPr lang="he-IL" sz="1100" b="0" i="0" u="none" strike="noStrike" dirty="0">
                           <a:solidFill>
                             <a:srgbClr val="000000"/>
                           </a:solidFill>
@@ -7556,7 +7349,7 @@
                         <a:t>, </a:t>
                       </a:r>
                       <a:r>
-                        <a:rPr lang="en-US" sz="1100" b="0" i="0" u="none" strike="noStrike" dirty="0" err="1" smtClean="0">
+                        <a:rPr lang="en-US" sz="1100" b="0" i="0" u="none" strike="noStrike" dirty="0" err="1">
                           <a:solidFill>
                             <a:srgbClr val="000000"/>
                           </a:solidFill>
@@ -7566,7 +7359,7 @@
                         </a:rPr>
                         <a:t>CPBUpdateProcessUniqueID</a:t>
                       </a:r>
-                      <a:endParaRPr lang="he-IL" sz="1100" b="0" kern="1200" baseline="0" dirty="0" smtClean="0">
+                      <a:endParaRPr lang="he-IL" sz="1100" b="0" kern="1200" baseline="0" dirty="0">
                         <a:solidFill>
                           <a:schemeClr val="tx1"/>
                         </a:solidFill>
@@ -7600,7 +7393,7 @@
                         <a:defRPr/>
                       </a:pPr>
                       <a:r>
-                        <a:rPr lang="en-US" sz="1100" b="0" kern="1200" baseline="0" noProof="0" dirty="0" smtClean="0">
+                        <a:rPr lang="en-US" sz="1100" b="0" kern="1200" baseline="0" noProof="0" dirty="0">
                           <a:solidFill>
                             <a:schemeClr val="tx1"/>
                           </a:solidFill>
@@ -7610,14 +7403,6 @@
                         </a:rPr>
                         <a:t>2</a:t>
                       </a:r>
-                      <a:endParaRPr lang="en-US" sz="1100" b="0" kern="1200" baseline="0" noProof="0" dirty="0">
-                        <a:solidFill>
-                          <a:schemeClr val="tx1"/>
-                        </a:solidFill>
-                        <a:latin typeface="+mn-lt"/>
-                        <a:ea typeface="+mn-ea"/>
-                        <a:cs typeface="Segoe UI" panose="020B0502040204020203" pitchFamily="34" charset="0"/>
-                      </a:endParaRPr>
                     </a:p>
                   </a:txBody>
                   <a:tcPr anchor="ctr"/>
@@ -7644,7 +7429,7 @@
                         <a:defRPr/>
                       </a:pPr>
                       <a:r>
-                        <a:rPr lang="he-IL" sz="1100" kern="1200" noProof="0" dirty="0" smtClean="0">
+                        <a:rPr lang="he-IL" sz="1100" kern="1200" noProof="0" dirty="0">
                           <a:solidFill>
                             <a:schemeClr val="dk1"/>
                           </a:solidFill>
@@ -7673,7 +7458,7 @@
                     <a:p>
                       <a:pPr algn="r" rtl="1"/>
                       <a:r>
-                        <a:rPr lang="he-IL" sz="1100" b="0" dirty="0" smtClean="0">
+                        <a:rPr lang="he-IL" sz="1100" b="0" dirty="0">
                           <a:solidFill>
                             <a:schemeClr val="tx1"/>
                           </a:solidFill>
@@ -7683,7 +7468,7 @@
                         <a:t>שכבת</a:t>
                       </a:r>
                       <a:r>
-                        <a:rPr lang="he-IL" sz="1100" b="0" baseline="0" dirty="0" smtClean="0">
+                        <a:rPr lang="he-IL" sz="1100" b="0" baseline="0" dirty="0">
                           <a:solidFill>
                             <a:schemeClr val="tx1"/>
                           </a:solidFill>
@@ -7693,7 +7478,7 @@
                         <a:t> גבולות תהליכי </a:t>
                       </a:r>
                       <a:r>
-                        <a:rPr lang="he-IL" sz="1100" b="0" baseline="0" dirty="0" err="1" smtClean="0">
+                        <a:rPr lang="he-IL" sz="1100" b="0" baseline="0" dirty="0" err="1">
                           <a:solidFill>
                             <a:schemeClr val="tx1"/>
                           </a:solidFill>
@@ -7703,7 +7488,7 @@
                         <a:t>קדסטר</a:t>
                       </a:r>
                       <a:r>
-                        <a:rPr lang="he-IL" sz="1100" b="0" baseline="0" dirty="0" smtClean="0">
+                        <a:rPr lang="he-IL" sz="1100" b="0" baseline="0" dirty="0">
                           <a:solidFill>
                             <a:schemeClr val="tx1"/>
                           </a:solidFill>
@@ -7730,7 +7515,7 @@
                     <a:p>
                       <a:pPr algn="ctr" rtl="0"/>
                       <a:r>
-                        <a:rPr lang="he-IL" sz="1200" b="1" dirty="0" smtClean="0">
+                        <a:rPr lang="he-IL" sz="1200" b="1" dirty="0">
                           <a:solidFill>
                             <a:schemeClr val="tx1"/>
                           </a:solidFill>
@@ -7743,7 +7528,7 @@
                     <a:p>
                       <a:pPr algn="ctr" rtl="0"/>
                       <a:r>
-                        <a:rPr lang="en-US" sz="1200" b="0" i="1" dirty="0" smtClean="0">
+                        <a:rPr lang="en-US" sz="1200" b="0" i="1" dirty="0">
                           <a:solidFill>
                             <a:schemeClr val="tx1"/>
                           </a:solidFill>
@@ -7753,7 +7538,7 @@
                         <a:t>Layer=</a:t>
                       </a:r>
                       <a:r>
-                        <a:rPr lang="en-US" sz="1200" b="0" i="1" dirty="0" err="1" smtClean="0">
+                        <a:rPr lang="en-US" sz="1200" b="0" i="1" dirty="0" err="1">
                           <a:solidFill>
                             <a:schemeClr val="tx1"/>
                           </a:solidFill>
@@ -7780,7 +7565,7 @@
                     <a:p>
                       <a:pPr algn="ctr"/>
                       <a:r>
-                        <a:rPr lang="en-US" sz="1100" b="0" dirty="0" err="1" smtClean="0">
+                        <a:rPr lang="en-US" sz="1100" b="0" dirty="0" err="1">
                           <a:solidFill>
                             <a:schemeClr val="tx1"/>
                           </a:solidFill>
@@ -7887,13 +7672,6 @@
     <a:masterClrMapping/>
   </p:clrMapOvr>
   <p:transition/>
-  <p:timing>
-    <p:tnLst>
-      <p:par>
-        <p:cTn id="1" dur="indefinite" restart="never" nodeType="tmRoot"/>
-      </p:par>
-    </p:tnLst>
-  </p:timing>
 </p:sld>
 </file>
 
@@ -7968,7 +7746,7 @@
           <a:p>
             <a:pPr algn="r"/>
             <a:r>
-              <a:rPr lang="he-IL" sz="3600" dirty="0" smtClean="0">
+              <a:rPr lang="he-IL" sz="3600" dirty="0">
                 <a:solidFill>
                   <a:srgbClr val="002060"/>
                 </a:solidFill>
@@ -8009,10 +7787,6 @@
               </a:rPr>
               <a:t>'GUSH_NUM', 'GUSH_SUFFIX', 'PARCEL', 'PARCEL_TYPE', 'LEGAL_AREA', 'TALAR_NUM', 'TALAR_YEAR', 'geometry'</a:t>
             </a:r>
-            <a:endParaRPr lang="en-US" sz="1200" i="1" dirty="0" smtClean="0">
-              <a:latin typeface="Segoe UI" panose="020B0502040204020203" pitchFamily="34" charset="0"/>
-              <a:cs typeface="Segoe UI" panose="020B0502040204020203" pitchFamily="34" charset="0"/>
-            </a:endParaRPr>
           </a:p>
         </p:txBody>
       </p:sp>
@@ -8077,17 +7851,7 @@
                 <a:latin typeface="Calibri" panose="020F0502020204030204" pitchFamily="34" charset="0"/>
                 <a:cs typeface="Calibri" panose="020F0502020204030204" pitchFamily="34" charset="0"/>
               </a:rPr>
-              <a:t>שכבת חלקות </a:t>
-            </a:r>
-            <a:r>
-              <a:rPr lang="he-IL" sz="2400" dirty="0" smtClean="0">
-                <a:solidFill>
-                  <a:srgbClr val="002060"/>
-                </a:solidFill>
-                <a:latin typeface="Calibri" panose="020F0502020204030204" pitchFamily="34" charset="0"/>
-                <a:cs typeface="Calibri" panose="020F0502020204030204" pitchFamily="34" charset="0"/>
-              </a:rPr>
-              <a:t>היסטוריות:</a:t>
+              <a:t>שכבת חלקות היסטוריות:</a:t>
             </a:r>
           </a:p>
         </p:txBody>
@@ -8146,7 +7910,7 @@
           <a:p>
             <a:pPr algn="r"/>
             <a:r>
-              <a:rPr lang="he-IL" sz="2400" dirty="0" smtClean="0">
+              <a:rPr lang="he-IL" sz="2400" dirty="0">
                 <a:solidFill>
                   <a:srgbClr val="002060"/>
                 </a:solidFill>
@@ -8156,7 +7920,7 @@
               <a:t>גושי </a:t>
             </a:r>
             <a:r>
-              <a:rPr lang="he-IL" sz="2400" dirty="0" err="1" smtClean="0">
+              <a:rPr lang="he-IL" sz="2400" dirty="0" err="1">
                 <a:solidFill>
                   <a:srgbClr val="002060"/>
                 </a:solidFill>
@@ -8166,7 +7930,7 @@
               <a:t>קדסטר</a:t>
             </a:r>
             <a:r>
-              <a:rPr lang="he-IL" sz="2400" dirty="0" smtClean="0">
+              <a:rPr lang="he-IL" sz="2400" dirty="0">
                 <a:solidFill>
                   <a:srgbClr val="002060"/>
                 </a:solidFill>
@@ -8306,7 +8070,7 @@
           <a:p>
             <a:pPr algn="r"/>
             <a:r>
-              <a:rPr lang="he-IL" sz="2400" dirty="0" smtClean="0">
+              <a:rPr lang="he-IL" sz="2400" dirty="0">
                 <a:solidFill>
                   <a:srgbClr val="002060"/>
                 </a:solidFill>
@@ -8316,7 +8080,7 @@
               <a:t>גבולות תהליכי </a:t>
             </a:r>
             <a:r>
-              <a:rPr lang="he-IL" sz="2400" dirty="0" err="1" smtClean="0">
+              <a:rPr lang="he-IL" sz="2400" dirty="0" err="1">
                 <a:solidFill>
                   <a:srgbClr val="002060"/>
                 </a:solidFill>
@@ -8326,7 +8090,7 @@
               <a:t>קדסטר</a:t>
             </a:r>
             <a:r>
-              <a:rPr lang="he-IL" sz="2400" dirty="0" smtClean="0">
+              <a:rPr lang="he-IL" sz="2400" dirty="0">
                 <a:solidFill>
                   <a:srgbClr val="002060"/>
                 </a:solidFill>
@@ -8459,17 +8223,7 @@
                 <a:latin typeface="Calibri" panose="020F0502020204030204" pitchFamily="34" charset="0"/>
                 <a:cs typeface="Calibri" panose="020F0502020204030204" pitchFamily="34" charset="0"/>
               </a:rPr>
-              <a:t>שכבת חלקות </a:t>
-            </a:r>
-            <a:r>
-              <a:rPr lang="he-IL" sz="2400" dirty="0" smtClean="0">
-                <a:solidFill>
-                  <a:srgbClr val="002060"/>
-                </a:solidFill>
-                <a:latin typeface="Calibri" panose="020F0502020204030204" pitchFamily="34" charset="0"/>
-                <a:cs typeface="Calibri" panose="020F0502020204030204" pitchFamily="34" charset="0"/>
-              </a:rPr>
-              <a:t>מבוטלות מרפליקציה:</a:t>
+              <a:t>שכבת חלקות מבוטלות מרפליקציה:</a:t>
             </a:r>
           </a:p>
         </p:txBody>
@@ -8563,16 +8317,6 @@
           <a:p>
             <a:pPr algn="r"/>
             <a:r>
-              <a:rPr lang="he-IL" sz="2400" dirty="0" smtClean="0">
-                <a:solidFill>
-                  <a:srgbClr val="002060"/>
-                </a:solidFill>
-                <a:latin typeface="Calibri" panose="020F0502020204030204" pitchFamily="34" charset="0"/>
-                <a:cs typeface="Calibri" panose="020F0502020204030204" pitchFamily="34" charset="0"/>
-              </a:rPr>
-              <a:t>טבלת </a:t>
-            </a:r>
-            <a:r>
               <a:rPr lang="he-IL" sz="2400" dirty="0">
                 <a:solidFill>
                   <a:srgbClr val="002060"/>
@@ -8580,17 +8324,7 @@
                 <a:latin typeface="Calibri" panose="020F0502020204030204" pitchFamily="34" charset="0"/>
                 <a:cs typeface="Calibri" panose="020F0502020204030204" pitchFamily="34" charset="0"/>
               </a:rPr>
-              <a:t>חלקות </a:t>
-            </a:r>
-            <a:r>
-              <a:rPr lang="he-IL" sz="2400" dirty="0" smtClean="0">
-                <a:solidFill>
-                  <a:srgbClr val="002060"/>
-                </a:solidFill>
-                <a:latin typeface="Calibri" panose="020F0502020204030204" pitchFamily="34" charset="0"/>
-                <a:cs typeface="Calibri" panose="020F0502020204030204" pitchFamily="34" charset="0"/>
-              </a:rPr>
-              <a:t>מבוטלות :</a:t>
+              <a:t>טבלת חלקות מבוטלות :</a:t>
             </a:r>
           </a:p>
         </p:txBody>
@@ -8641,13 +8375,6 @@
     <a:masterClrMapping/>
   </p:clrMapOvr>
   <p:transition/>
-  <p:timing>
-    <p:tnLst>
-      <p:par>
-        <p:cTn id="1" dur="indefinite" restart="never" nodeType="tmRoot"/>
-      </p:par>
-    </p:tnLst>
-  </p:timing>
 </p:sld>
 </file>
 
@@ -8722,7 +8449,7 @@
           <a:p>
             <a:pPr algn="r"/>
             <a:r>
-              <a:rPr lang="he-IL" sz="3600" dirty="0" smtClean="0">
+              <a:rPr lang="he-IL" sz="3600" dirty="0">
                 <a:solidFill>
                   <a:srgbClr val="002060"/>
                 </a:solidFill>
@@ -8731,13 +8458,6 @@
               </a:rPr>
               <a:t>חישוב ואכלוס שדות חדשים</a:t>
             </a:r>
-            <a:endParaRPr lang="he-IL" sz="3600" dirty="0">
-              <a:solidFill>
-                <a:srgbClr val="002060"/>
-              </a:solidFill>
-              <a:latin typeface="Calibri" panose="020F0502020204030204" pitchFamily="34" charset="0"/>
-              <a:cs typeface="Calibri" panose="020F0502020204030204" pitchFamily="34" charset="0"/>
-            </a:endParaRPr>
           </a:p>
         </p:txBody>
       </p:sp>
@@ -8819,7 +8539,7 @@
                     <a:p>
                       <a:pPr algn="ctr" rtl="1" fontAlgn="b"/>
                       <a:r>
-                        <a:rPr lang="he-IL" sz="2400" b="1" u="none" strike="noStrike" dirty="0" smtClean="0">
+                        <a:rPr lang="he-IL" sz="2400" b="1" u="none" strike="noStrike" dirty="0">
                           <a:effectLst/>
                         </a:rPr>
                         <a:t>תיאור חישוב</a:t>
@@ -8872,7 +8592,7 @@
                         <a:defRPr/>
                       </a:pPr>
                       <a:r>
-                        <a:rPr lang="en-US" sz="1400" b="0" kern="1200" dirty="0" smtClean="0">
+                        <a:rPr lang="en-US" sz="1400" b="0" kern="1200" dirty="0">
                           <a:solidFill>
                             <a:schemeClr val="tx1"/>
                           </a:solidFill>
@@ -8898,7 +8618,7 @@
                     <a:p>
                       <a:pPr lvl="1" algn="r" rtl="1" fontAlgn="b"/>
                       <a:r>
-                        <a:rPr lang="he-IL" sz="1600" b="0" i="0" u="none" strike="noStrike" dirty="0" smtClean="0">
+                        <a:rPr lang="he-IL" sz="1600" b="0" i="0" u="none" strike="noStrike" dirty="0">
                           <a:solidFill>
                             <a:srgbClr val="000000"/>
                           </a:solidFill>
@@ -8909,7 +8629,7 @@
                         <a:t>חלק</a:t>
                       </a:r>
                       <a:r>
-                        <a:rPr lang="he-IL" sz="1600" b="0" i="0" u="none" strike="noStrike" baseline="0" dirty="0" smtClean="0">
+                        <a:rPr lang="he-IL" sz="1600" b="0" i="0" u="none" strike="noStrike" baseline="0" dirty="0">
                           <a:solidFill>
                             <a:srgbClr val="000000"/>
                           </a:solidFill>
@@ -8920,7 +8640,7 @@
                         <a:t> נלקח משדה </a:t>
                       </a:r>
                       <a:r>
-                        <a:rPr lang="en-US" sz="1600" b="0" i="0" u="none" strike="noStrike" baseline="0" dirty="0" err="1" smtClean="0">
+                        <a:rPr lang="en-US" sz="1600" b="0" i="0" u="none" strike="noStrike" baseline="0" dirty="0" err="1">
                           <a:solidFill>
                             <a:srgbClr val="000000"/>
                           </a:solidFill>
@@ -8931,7 +8651,7 @@
                         <a:t>ParcelUniqueID</a:t>
                       </a:r>
                       <a:r>
-                        <a:rPr lang="he-IL" sz="1600" b="0" i="0" u="none" strike="noStrike" baseline="0" dirty="0" smtClean="0">
+                        <a:rPr lang="he-IL" sz="1600" b="0" i="0" u="none" strike="noStrike" baseline="0" dirty="0">
                           <a:solidFill>
                             <a:srgbClr val="000000"/>
                           </a:solidFill>
@@ -8971,7 +8691,7 @@
                     <a:p>
                       <a:pPr algn="ctr" rtl="0" fontAlgn="b"/>
                       <a:r>
-                        <a:rPr lang="en-US" sz="1400" b="0" i="0" u="none" strike="noStrike" dirty="0" smtClean="0">
+                        <a:rPr lang="en-US" sz="1400" b="0" i="0" u="none" strike="noStrike" dirty="0">
                           <a:solidFill>
                             <a:srgbClr val="000000"/>
                           </a:solidFill>
@@ -8981,14 +8701,6 @@
                         </a:rPr>
                         <a:t>ParcelNumber</a:t>
                       </a:r>
-                      <a:endParaRPr lang="en-US" sz="1400" b="0" i="0" u="none" strike="noStrike" dirty="0">
-                        <a:solidFill>
-                          <a:srgbClr val="000000"/>
-                        </a:solidFill>
-                        <a:effectLst/>
-                        <a:latin typeface="+mn-lt"/>
-                        <a:cs typeface="+mn-cs"/>
-                      </a:endParaRPr>
                     </a:p>
                   </a:txBody>
                   <a:tcPr marL="9525" marR="9525" marT="9525" marB="0" anchor="ctr">
@@ -9020,7 +8732,7 @@
                         <a:defRPr/>
                       </a:pPr>
                       <a:r>
-                        <a:rPr lang="he-IL" sz="1600" b="0" i="0" u="none" strike="noStrike" dirty="0" smtClean="0">
+                        <a:rPr lang="he-IL" sz="1600" b="0" i="0" u="none" strike="noStrike" dirty="0">
                           <a:solidFill>
                             <a:srgbClr val="000000"/>
                           </a:solidFill>
@@ -9031,7 +8743,7 @@
                         <a:t>נלקח משדה</a:t>
                       </a:r>
                       <a:r>
-                        <a:rPr lang="he-IL" sz="1600" b="0" i="0" u="none" strike="noStrike" baseline="0" dirty="0" smtClean="0">
+                        <a:rPr lang="he-IL" sz="1600" b="0" i="0" u="none" strike="noStrike" baseline="0" dirty="0">
                           <a:solidFill>
                             <a:srgbClr val="000000"/>
                           </a:solidFill>
@@ -9042,7 +8754,7 @@
                         <a:t> </a:t>
                       </a:r>
                       <a:r>
-                        <a:rPr lang="en-US" sz="1600" b="0" i="0" u="none" strike="noStrike" baseline="0" dirty="0" smtClean="0">
+                        <a:rPr lang="en-US" sz="1600" b="0" i="0" u="none" strike="noStrike" baseline="0" dirty="0">
                           <a:solidFill>
                             <a:srgbClr val="000000"/>
                           </a:solidFill>
@@ -9098,7 +8810,7 @@
                         <a:defRPr/>
                       </a:pPr>
                       <a:r>
-                        <a:rPr lang="en-US" sz="1400" b="0" kern="1200" dirty="0" smtClean="0">
+                        <a:rPr lang="en-US" sz="1400" b="0" kern="1200" dirty="0">
                           <a:solidFill>
                             <a:schemeClr val="tx1"/>
                           </a:solidFill>
@@ -9124,7 +8836,7 @@
                     <a:p>
                       <a:pPr lvl="1" algn="r" rtl="1" fontAlgn="b"/>
                       <a:r>
-                        <a:rPr lang="he-IL" sz="1600" b="0" i="0" u="none" strike="noStrike" dirty="0" smtClean="0">
+                        <a:rPr lang="he-IL" sz="1600" b="0" i="0" u="none" strike="noStrike" dirty="0">
                           <a:solidFill>
                             <a:srgbClr val="000000"/>
                           </a:solidFill>
@@ -9135,7 +8847,7 @@
                         <a:t>נלקח</a:t>
                       </a:r>
                       <a:r>
-                        <a:rPr lang="he-IL" sz="1600" b="0" i="0" u="none" strike="noStrike" baseline="0" dirty="0" smtClean="0">
+                        <a:rPr lang="he-IL" sz="1600" b="0" i="0" u="none" strike="noStrike" baseline="0" dirty="0">
                           <a:solidFill>
                             <a:srgbClr val="000000"/>
                           </a:solidFill>
@@ -9146,7 +8858,7 @@
                         <a:t> משדה </a:t>
                       </a:r>
                       <a:r>
-                        <a:rPr lang="en-US" sz="1600" b="0" i="0" u="none" strike="noStrike" baseline="0" dirty="0" smtClean="0">
+                        <a:rPr lang="en-US" sz="1600" b="0" i="0" u="none" strike="noStrike" baseline="0" dirty="0">
                           <a:solidFill>
                             <a:srgbClr val="000000"/>
                           </a:solidFill>
@@ -9186,7 +8898,7 @@
                     <a:p>
                       <a:pPr algn="ctr" rtl="0" fontAlgn="b"/>
                       <a:r>
-                        <a:rPr lang="en-US" sz="1400" b="0" i="0" u="none" strike="noStrike" dirty="0" err="1" smtClean="0">
+                        <a:rPr lang="en-US" sz="1400" b="0" i="0" u="none" strike="noStrike" dirty="0" err="1">
                           <a:solidFill>
                             <a:srgbClr val="000000"/>
                           </a:solidFill>
@@ -9219,7 +8931,7 @@
                     <a:p>
                       <a:pPr lvl="1" algn="r" rtl="1" fontAlgn="b"/>
                       <a:r>
-                        <a:rPr lang="he-IL" sz="1600" b="0" i="0" u="none" strike="noStrike" dirty="0" smtClean="0">
+                        <a:rPr lang="he-IL" sz="1600" b="0" i="0" u="none" strike="noStrike" dirty="0">
                           <a:solidFill>
                             <a:srgbClr val="000000"/>
                           </a:solidFill>
@@ -9230,7 +8942,7 @@
                         <a:t>לפי</a:t>
                       </a:r>
                       <a:r>
-                        <a:rPr lang="he-IL" sz="1600" b="0" i="0" u="none" strike="noStrike" baseline="0" dirty="0" smtClean="0">
+                        <a:rPr lang="he-IL" sz="1600" b="0" i="0" u="none" strike="noStrike" baseline="0" dirty="0">
                           <a:solidFill>
                             <a:srgbClr val="000000"/>
                           </a:solidFill>
@@ -9241,7 +8953,7 @@
                         <a:t> שדה </a:t>
                       </a:r>
                       <a:r>
-                        <a:rPr lang="en-US" sz="1600" b="0" i="0" u="none" strike="noStrike" baseline="0" dirty="0" smtClean="0">
+                        <a:rPr lang="en-US" sz="1600" b="0" i="0" u="none" strike="noStrike" baseline="0" dirty="0">
                           <a:solidFill>
                             <a:srgbClr val="000000"/>
                           </a:solidFill>
@@ -9252,7 +8964,7 @@
                         <a:t>CADASTER_PROCESS</a:t>
                       </a:r>
                       <a:r>
-                        <a:rPr lang="he-IL" sz="1600" b="0" i="0" u="none" strike="noStrike" baseline="0" dirty="0" smtClean="0">
+                        <a:rPr lang="he-IL" sz="1600" b="0" i="0" u="none" strike="noStrike" baseline="0" dirty="0">
                           <a:solidFill>
                             <a:srgbClr val="000000"/>
                           </a:solidFill>
@@ -9263,7 +8975,7 @@
                         <a:t>, באם הערך הינו תהליך יוצר (</a:t>
                       </a:r>
                       <a:r>
-                        <a:rPr lang="he-IL" sz="1600" b="0" i="0" u="none" strike="noStrike" baseline="0" dirty="0" err="1" smtClean="0">
+                        <a:rPr lang="he-IL" sz="1600" b="0" i="0" u="none" strike="noStrike" baseline="0" dirty="0" err="1">
                           <a:solidFill>
                             <a:srgbClr val="000000"/>
                           </a:solidFill>
@@ -9274,7 +8986,7 @@
                         <a:t>תצ"ר</a:t>
                       </a:r>
                       <a:r>
-                        <a:rPr lang="he-IL" sz="1600" b="0" i="0" u="none" strike="noStrike" baseline="0" dirty="0" smtClean="0">
+                        <a:rPr lang="he-IL" sz="1600" b="0" i="0" u="none" strike="noStrike" baseline="0" dirty="0">
                           <a:solidFill>
                             <a:srgbClr val="000000"/>
                           </a:solidFill>
@@ -9314,7 +9026,7 @@
                     <a:p>
                       <a:pPr algn="ctr" rtl="0" fontAlgn="b"/>
                       <a:r>
-                        <a:rPr lang="en-US" sz="1400" b="0" i="0" u="none" strike="noStrike" dirty="0" smtClean="0">
+                        <a:rPr lang="en-US" sz="1400" b="0" i="0" u="none" strike="noStrike" dirty="0">
                           <a:solidFill>
                             <a:srgbClr val="000000"/>
                           </a:solidFill>
@@ -9324,14 +9036,6 @@
                         </a:rPr>
                         <a:t>LegalArea</a:t>
                       </a:r>
-                      <a:endParaRPr lang="en-US" sz="1400" b="0" i="0" u="none" strike="noStrike" dirty="0">
-                        <a:solidFill>
-                          <a:srgbClr val="000000"/>
-                        </a:solidFill>
-                        <a:effectLst/>
-                        <a:latin typeface="+mn-lt"/>
-                        <a:cs typeface="+mn-cs"/>
-                      </a:endParaRPr>
                     </a:p>
                   </a:txBody>
                   <a:tcPr marL="9525" marR="9525" marT="9525" marB="0" anchor="ctr">
@@ -9363,7 +9067,7 @@
                         <a:defRPr/>
                       </a:pPr>
                       <a:r>
-                        <a:rPr lang="he-IL" sz="1600" b="0" i="0" u="none" strike="noStrike" dirty="0" smtClean="0">
+                        <a:rPr lang="he-IL" sz="1600" b="0" i="0" u="none" strike="noStrike" dirty="0">
                           <a:solidFill>
                             <a:srgbClr val="000000"/>
                           </a:solidFill>
@@ -9374,7 +9078,7 @@
                         <a:t>נלקח משדה </a:t>
                       </a:r>
                       <a:r>
-                        <a:rPr lang="en-US" sz="1600" b="0" i="0" u="none" strike="noStrike" dirty="0" smtClean="0">
+                        <a:rPr lang="en-US" sz="1600" b="0" i="0" u="none" strike="noStrike" dirty="0">
                           <a:solidFill>
                             <a:srgbClr val="000000"/>
                           </a:solidFill>
@@ -9406,7 +9110,7 @@
                     <a:p>
                       <a:pPr algn="ctr" rtl="0" fontAlgn="b"/>
                       <a:r>
-                        <a:rPr lang="en-US" sz="1400" b="0" i="0" u="none" strike="noStrike" dirty="0" smtClean="0">
+                        <a:rPr lang="en-US" sz="1400" b="0" i="0" u="none" strike="noStrike" dirty="0">
                           <a:solidFill>
                             <a:srgbClr val="000000"/>
                           </a:solidFill>
@@ -9416,14 +9120,6 @@
                         </a:rPr>
                         <a:t>BlockUniqueID</a:t>
                       </a:r>
-                      <a:endParaRPr lang="en-US" sz="1400" b="0" i="0" u="none" strike="noStrike" dirty="0">
-                        <a:solidFill>
-                          <a:srgbClr val="000000"/>
-                        </a:solidFill>
-                        <a:effectLst/>
-                        <a:latin typeface="+mn-lt"/>
-                        <a:cs typeface="+mn-cs"/>
-                      </a:endParaRPr>
                     </a:p>
                   </a:txBody>
                   <a:tcPr marL="9525" marR="9525" marT="9525" marB="0" anchor="ctr">
@@ -9439,7 +9135,7 @@
                     <a:p>
                       <a:pPr lvl="1" algn="r" rtl="1" fontAlgn="b"/>
                       <a:r>
-                        <a:rPr lang="he-IL" sz="1600" b="0" i="0" u="none" strike="noStrike" dirty="0" smtClean="0">
+                        <a:rPr lang="he-IL" sz="1600" b="0" i="0" u="none" strike="noStrike" dirty="0">
                           <a:solidFill>
                             <a:srgbClr val="000000"/>
                           </a:solidFill>
@@ -9450,7 +9146,7 @@
                         <a:t>נלקח</a:t>
                       </a:r>
                       <a:r>
-                        <a:rPr lang="he-IL" sz="1600" b="0" i="0" u="none" strike="noStrike" baseline="0" dirty="0" smtClean="0">
+                        <a:rPr lang="he-IL" sz="1600" b="0" i="0" u="none" strike="noStrike" baseline="0" dirty="0">
                           <a:solidFill>
                             <a:srgbClr val="000000"/>
                           </a:solidFill>
@@ -9461,7 +9157,7 @@
                         <a:t> בעזרת איחוד עם שכבת גושי </a:t>
                       </a:r>
                       <a:r>
-                        <a:rPr lang="he-IL" sz="1600" b="0" i="0" u="none" strike="noStrike" baseline="0" dirty="0" err="1" smtClean="0">
+                        <a:rPr lang="he-IL" sz="1600" b="0" i="0" u="none" strike="noStrike" baseline="0" dirty="0" err="1">
                           <a:solidFill>
                             <a:srgbClr val="000000"/>
                           </a:solidFill>
@@ -9517,7 +9213,7 @@
                         <a:defRPr/>
                       </a:pPr>
                       <a:r>
-                        <a:rPr lang="en-US" sz="1400" b="0" kern="1200" dirty="0" err="1" smtClean="0">
+                        <a:rPr lang="en-US" sz="1400" b="0" kern="1200" dirty="0" err="1">
                           <a:solidFill>
                             <a:schemeClr val="tx1"/>
                           </a:solidFill>
@@ -9528,7 +9224,7 @@
                         </a:rPr>
                         <a:t>CPBUpdateProcessUniqueID</a:t>
                       </a:r>
-                      <a:endParaRPr lang="en-US" sz="1400" b="0" kern="1200" dirty="0" smtClean="0">
+                      <a:endParaRPr lang="en-US" sz="1400" b="0" kern="1200" dirty="0">
                         <a:solidFill>
                           <a:schemeClr val="tx1"/>
                         </a:solidFill>
@@ -9568,7 +9264,7 @@
                         <a:defRPr/>
                       </a:pPr>
                       <a:r>
-                        <a:rPr lang="he-IL" sz="1600" b="0" i="0" u="none" strike="noStrike" dirty="0" smtClean="0">
+                        <a:rPr lang="he-IL" sz="1600" b="0" i="0" u="none" strike="noStrike" dirty="0">
                           <a:solidFill>
                             <a:srgbClr val="000000"/>
                           </a:solidFill>
@@ -9579,7 +9275,7 @@
                         <a:t>נלקח בעזרת איחוד עם שכבת</a:t>
                       </a:r>
                       <a:r>
-                        <a:rPr lang="he-IL" sz="1600" b="0" i="0" u="none" strike="noStrike" baseline="0" dirty="0" smtClean="0">
+                        <a:rPr lang="he-IL" sz="1600" b="0" i="0" u="none" strike="noStrike" baseline="0" dirty="0">
                           <a:solidFill>
                             <a:srgbClr val="000000"/>
                           </a:solidFill>
@@ -9590,7 +9286,7 @@
                         <a:t> גבולות תהליכי </a:t>
                       </a:r>
                       <a:r>
-                        <a:rPr lang="he-IL" sz="1600" b="0" i="0" u="none" strike="noStrike" baseline="0" dirty="0" err="1" smtClean="0">
+                        <a:rPr lang="he-IL" sz="1600" b="0" i="0" u="none" strike="noStrike" baseline="0" dirty="0" err="1">
                           <a:solidFill>
                             <a:srgbClr val="000000"/>
                           </a:solidFill>
@@ -9600,7 +9296,7 @@
                         </a:rPr>
                         <a:t>קדסטר</a:t>
                       </a:r>
-                      <a:endParaRPr lang="en-US" sz="1600" b="0" i="0" u="none" strike="noStrike" dirty="0" smtClean="0">
+                      <a:endParaRPr lang="en-US" sz="1600" b="0" i="0" u="none" strike="noStrike" dirty="0">
                         <a:solidFill>
                           <a:srgbClr val="000000"/>
                         </a:solidFill>
@@ -9646,7 +9342,7 @@
                         <a:defRPr/>
                       </a:pPr>
                       <a:r>
-                        <a:rPr lang="en-US" sz="1400" b="0" kern="1200" dirty="0" err="1" smtClean="0">
+                        <a:rPr lang="en-US" sz="1400" b="0" kern="1200" dirty="0" err="1">
                           <a:solidFill>
                             <a:schemeClr val="tx1"/>
                           </a:solidFill>
@@ -9657,7 +9353,7 @@
                         </a:rPr>
                         <a:t>CPBCancelProcessUniqueID</a:t>
                       </a:r>
-                      <a:endParaRPr lang="en-US" sz="1400" b="0" kern="1200" dirty="0" smtClean="0">
+                      <a:endParaRPr lang="en-US" sz="1400" b="0" kern="1200" dirty="0">
                         <a:solidFill>
                           <a:schemeClr val="tx1"/>
                         </a:solidFill>
@@ -9697,7 +9393,7 @@
                         <a:defRPr/>
                       </a:pPr>
                       <a:r>
-                        <a:rPr lang="he-IL" sz="1600" b="0" i="0" u="none" strike="noStrike" dirty="0" smtClean="0">
+                        <a:rPr lang="he-IL" sz="1600" b="0" i="0" u="none" strike="noStrike" dirty="0">
                           <a:solidFill>
                             <a:srgbClr val="000000"/>
                           </a:solidFill>
@@ -9708,7 +9404,7 @@
                         <a:t>נלקח בעזרת איחוד עם שכבת</a:t>
                       </a:r>
                       <a:r>
-                        <a:rPr lang="he-IL" sz="1600" b="0" i="0" u="none" strike="noStrike" baseline="0" dirty="0" smtClean="0">
+                        <a:rPr lang="he-IL" sz="1600" b="0" i="0" u="none" strike="noStrike" baseline="0" dirty="0">
                           <a:solidFill>
                             <a:srgbClr val="000000"/>
                           </a:solidFill>
@@ -9719,7 +9415,7 @@
                         <a:t> גבולות תהליכי </a:t>
                       </a:r>
                       <a:r>
-                        <a:rPr lang="he-IL" sz="1600" b="0" i="0" u="none" strike="noStrike" baseline="0" dirty="0" err="1" smtClean="0">
+                        <a:rPr lang="he-IL" sz="1600" b="0" i="0" u="none" strike="noStrike" baseline="0" dirty="0" err="1">
                           <a:solidFill>
                             <a:srgbClr val="000000"/>
                           </a:solidFill>
@@ -9729,7 +9425,7 @@
                         </a:rPr>
                         <a:t>קדסטר</a:t>
                       </a:r>
-                      <a:endParaRPr lang="en-US" sz="1600" b="0" i="0" u="none" strike="noStrike" dirty="0" smtClean="0">
+                      <a:endParaRPr lang="en-US" sz="1600" b="0" i="0" u="none" strike="noStrike" dirty="0">
                         <a:solidFill>
                           <a:srgbClr val="000000"/>
                         </a:solidFill>
@@ -9766,13 +9462,6 @@
     <a:masterClrMapping/>
   </p:clrMapOvr>
   <p:transition/>
-  <p:timing>
-    <p:tnLst>
-      <p:par>
-        <p:cTn id="1" dur="indefinite" restart="never" nodeType="tmRoot"/>
-      </p:par>
-    </p:tnLst>
-  </p:timing>
 </p:sld>
 </file>
 
@@ -9847,7 +9536,7 @@
           <a:p>
             <a:pPr algn="r"/>
             <a:r>
-              <a:rPr lang="he-IL" sz="3600" dirty="0" smtClean="0">
+              <a:rPr lang="he-IL" sz="3600" dirty="0">
                 <a:solidFill>
                   <a:srgbClr val="002060"/>
                 </a:solidFill>
@@ -9856,13 +9545,6 @@
               </a:rPr>
               <a:t>תוצאות וכמויות</a:t>
             </a:r>
-            <a:endParaRPr lang="he-IL" sz="3600" dirty="0">
-              <a:solidFill>
-                <a:srgbClr val="002060"/>
-              </a:solidFill>
-              <a:latin typeface="+mn-lt"/>
-              <a:cs typeface="Calibri" panose="020F0502020204030204" pitchFamily="34" charset="0"/>
-            </a:endParaRPr>
           </a:p>
         </p:txBody>
       </p:sp>
@@ -9914,7 +9596,7 @@
                     <a:p>
                       <a:pPr algn="ctr" rtl="1" fontAlgn="b"/>
                       <a:r>
-                        <a:rPr lang="en-US" sz="1200" b="0" u="none" strike="noStrike" dirty="0" smtClean="0">
+                        <a:rPr lang="en-US" sz="1200" b="0" u="none" strike="noStrike" dirty="0">
                           <a:effectLst/>
                         </a:rPr>
                         <a:t>ParcelType</a:t>
@@ -9944,7 +9626,7 @@
                     <a:p>
                       <a:pPr algn="ctr" rtl="1" fontAlgn="b"/>
                       <a:r>
-                        <a:rPr lang="he-IL" sz="1200" b="0" u="none" strike="noStrike" dirty="0" smtClean="0">
+                        <a:rPr lang="he-IL" sz="1200" b="0" u="none" strike="noStrike" dirty="0">
                           <a:effectLst/>
                         </a:rPr>
                         <a:t>כמות</a:t>
@@ -9997,7 +9679,7 @@
                         <a:defRPr/>
                       </a:pPr>
                       <a:r>
-                        <a:rPr lang="en-US" sz="1200" b="0" kern="1200" dirty="0" smtClean="0">
+                        <a:rPr lang="en-US" sz="1200" b="0" kern="1200" dirty="0">
                           <a:solidFill>
                             <a:schemeClr val="tx1"/>
                           </a:solidFill>
@@ -10008,15 +9690,6 @@
                         </a:rPr>
                         <a:t>2</a:t>
                       </a:r>
-                      <a:endParaRPr lang="en-US" sz="1200" b="0" kern="1200" dirty="0" smtClean="0">
-                        <a:solidFill>
-                          <a:schemeClr val="tx1"/>
-                        </a:solidFill>
-                        <a:effectLst/>
-                        <a:latin typeface="Segoe UI" panose="020B0502040204020203" pitchFamily="34" charset="0"/>
-                        <a:ea typeface="+mn-ea"/>
-                        <a:cs typeface="Segoe UI" panose="020B0502040204020203" pitchFamily="34" charset="0"/>
-                      </a:endParaRPr>
                     </a:p>
                   </a:txBody>
                   <a:tcPr marL="9525" marR="9525" marT="9525" marB="0" anchor="ctr">
@@ -10032,7 +9705,7 @@
                     <a:p>
                       <a:pPr lvl="1" algn="ctr" rtl="0" fontAlgn="b"/>
                       <a:r>
-                        <a:rPr lang="en-US" sz="1200" b="0" i="0" u="none" strike="noStrike" dirty="0" smtClean="0">
+                        <a:rPr lang="en-US" sz="1200" b="0" i="0" u="none" strike="noStrike" dirty="0">
                           <a:solidFill>
                             <a:srgbClr val="000000"/>
                           </a:solidFill>
@@ -10042,14 +9715,6 @@
                         </a:rPr>
                         <a:t>79207</a:t>
                       </a:r>
-                      <a:endParaRPr lang="en-US" sz="1200" b="0" i="0" u="none" strike="noStrike" dirty="0">
-                        <a:solidFill>
-                          <a:srgbClr val="000000"/>
-                        </a:solidFill>
-                        <a:effectLst/>
-                        <a:latin typeface="Segoe UI" panose="020B0502040204020203" pitchFamily="34" charset="0"/>
-                        <a:cs typeface="Segoe UI" panose="020B0502040204020203" pitchFamily="34" charset="0"/>
-                      </a:endParaRPr>
                     </a:p>
                   </a:txBody>
                   <a:tcPr marL="9525" marR="9525" marT="9525" marB="0" anchor="ctr">
@@ -10088,7 +9753,7 @@
                         <a:defRPr/>
                       </a:pPr>
                       <a:r>
-                        <a:rPr lang="en-US" sz="1200" b="0" kern="1200" dirty="0" err="1" smtClean="0">
+                        <a:rPr lang="en-US" sz="1200" b="0" kern="1200" dirty="0" err="1">
                           <a:solidFill>
                             <a:schemeClr val="tx1"/>
                           </a:solidFill>
@@ -10099,7 +9764,7 @@
                         </a:rPr>
                         <a:t>na</a:t>
                       </a:r>
-                      <a:endParaRPr lang="en-US" sz="1200" b="0" kern="1200" dirty="0" smtClean="0">
+                      <a:endParaRPr lang="en-US" sz="1200" b="0" kern="1200" dirty="0">
                         <a:solidFill>
                           <a:schemeClr val="tx1"/>
                         </a:solidFill>
@@ -10123,7 +9788,7 @@
                     <a:p>
                       <a:pPr lvl="1" algn="ctr" rtl="0" fontAlgn="b"/>
                       <a:r>
-                        <a:rPr lang="en-US" sz="1200" b="0" i="0" u="none" strike="noStrike" dirty="0" smtClean="0">
+                        <a:rPr lang="en-US" sz="1200" b="0" i="0" u="none" strike="noStrike" dirty="0">
                           <a:solidFill>
                             <a:srgbClr val="000000"/>
                           </a:solidFill>
@@ -10133,14 +9798,6 @@
                         </a:rPr>
                         <a:t>775096</a:t>
                       </a:r>
-                      <a:endParaRPr lang="en-US" sz="1200" b="0" i="0" u="none" strike="noStrike" dirty="0">
-                        <a:solidFill>
-                          <a:srgbClr val="000000"/>
-                        </a:solidFill>
-                        <a:effectLst/>
-                        <a:latin typeface="Segoe UI" panose="020B0502040204020203" pitchFamily="34" charset="0"/>
-                        <a:cs typeface="Segoe UI" panose="020B0502040204020203" pitchFamily="34" charset="0"/>
-                      </a:endParaRPr>
                     </a:p>
                   </a:txBody>
                   <a:tcPr marL="9525" marR="9525" marT="9525" marB="0" anchor="ctr">
@@ -10207,7 +9864,7 @@
                     <a:p>
                       <a:pPr algn="ctr" rtl="1" fontAlgn="b"/>
                       <a:r>
-                        <a:rPr lang="en-US" sz="1200" b="0" i="0" u="none" strike="noStrike" dirty="0" err="1" smtClean="0">
+                        <a:rPr lang="en-US" sz="1200" b="0" i="0" u="none" strike="noStrike" dirty="0" err="1">
                           <a:solidFill>
                             <a:schemeClr val="tx1"/>
                           </a:solidFill>
@@ -10241,7 +9898,7 @@
                     <a:p>
                       <a:pPr algn="ctr" rtl="1" fontAlgn="b"/>
                       <a:r>
-                        <a:rPr lang="he-IL" sz="1200" b="0" u="none" strike="noStrike" dirty="0" smtClean="0">
+                        <a:rPr lang="he-IL" sz="1200" b="0" u="none" strike="noStrike" dirty="0">
                           <a:effectLst/>
                         </a:rPr>
                         <a:t>כמות</a:t>
@@ -10294,7 +9951,7 @@
                         <a:defRPr/>
                       </a:pPr>
                       <a:r>
-                        <a:rPr lang="en-US" sz="1200" b="0" kern="1200" dirty="0" smtClean="0">
+                        <a:rPr lang="en-US" sz="1200" b="0" kern="1200" dirty="0">
                           <a:solidFill>
                             <a:schemeClr val="tx1"/>
                           </a:solidFill>
@@ -10305,15 +9962,6 @@
                         </a:rPr>
                         <a:t>1</a:t>
                       </a:r>
-                      <a:endParaRPr lang="en-US" sz="1200" b="0" kern="1200" dirty="0" smtClean="0">
-                        <a:solidFill>
-                          <a:schemeClr val="tx1"/>
-                        </a:solidFill>
-                        <a:effectLst/>
-                        <a:latin typeface="Segoe UI" panose="020B0502040204020203" pitchFamily="34" charset="0"/>
-                        <a:ea typeface="+mn-ea"/>
-                        <a:cs typeface="Segoe UI" panose="020B0502040204020203" pitchFamily="34" charset="0"/>
-                      </a:endParaRPr>
                     </a:p>
                   </a:txBody>
                   <a:tcPr marL="9525" marR="9525" marT="9525" marB="0" anchor="ctr">
@@ -10329,7 +9977,7 @@
                     <a:p>
                       <a:pPr lvl="1" algn="ctr" rtl="0" fontAlgn="b"/>
                       <a:r>
-                        <a:rPr lang="en-US" sz="1200" b="0" i="0" u="none" strike="noStrike" dirty="0" smtClean="0">
+                        <a:rPr lang="en-US" sz="1200" b="0" i="0" u="none" strike="noStrike" dirty="0">
                           <a:solidFill>
                             <a:srgbClr val="000000"/>
                           </a:solidFill>
@@ -10339,14 +9987,6 @@
                         </a:rPr>
                         <a:t>98240</a:t>
                       </a:r>
-                      <a:endParaRPr lang="en-US" sz="1200" b="0" i="0" u="none" strike="noStrike" dirty="0">
-                        <a:solidFill>
-                          <a:srgbClr val="000000"/>
-                        </a:solidFill>
-                        <a:effectLst/>
-                        <a:latin typeface="Segoe UI" panose="020B0502040204020203" pitchFamily="34" charset="0"/>
-                        <a:cs typeface="Segoe UI" panose="020B0502040204020203" pitchFamily="34" charset="0"/>
-                      </a:endParaRPr>
                     </a:p>
                   </a:txBody>
                   <a:tcPr marL="9525" marR="9525" marT="9525" marB="0" anchor="ctr">
@@ -10385,7 +10025,7 @@
                         <a:defRPr/>
                       </a:pPr>
                       <a:r>
-                        <a:rPr lang="en-US" sz="1200" b="0" kern="1200" dirty="0" err="1" smtClean="0">
+                        <a:rPr lang="en-US" sz="1200" b="0" kern="1200" dirty="0" err="1">
                           <a:solidFill>
                             <a:schemeClr val="tx1"/>
                           </a:solidFill>
@@ -10396,7 +10036,7 @@
                         </a:rPr>
                         <a:t>na</a:t>
                       </a:r>
-                      <a:endParaRPr lang="en-US" sz="1200" b="0" kern="1200" dirty="0" smtClean="0">
+                      <a:endParaRPr lang="en-US" sz="1200" b="0" kern="1200" dirty="0">
                         <a:solidFill>
                           <a:schemeClr val="tx1"/>
                         </a:solidFill>
@@ -10420,7 +10060,7 @@
                     <a:p>
                       <a:pPr lvl="1" algn="ctr" rtl="0" fontAlgn="b"/>
                       <a:r>
-                        <a:rPr lang="en-US" sz="1200" b="0" kern="1200" dirty="0" smtClean="0">
+                        <a:rPr lang="en-US" sz="1200" b="0" kern="1200" dirty="0">
                           <a:solidFill>
                             <a:schemeClr val="tx1"/>
                           </a:solidFill>
@@ -10468,13 +10108,6 @@
     <a:masterClrMapping/>
   </p:clrMapOvr>
   <p:transition/>
-  <p:timing>
-    <p:tnLst>
-      <p:par>
-        <p:cTn id="1" dur="indefinite" restart="never" nodeType="tmRoot"/>
-      </p:par>
-    </p:tnLst>
-  </p:timing>
 </p:sld>
 </file>
 

--- a/Documentation/הסבת חלקות דו-ממדיות מבוטלות.pptx
+++ b/Documentation/הסבת חלקות דו-ממדיות מבוטלות.pptx
@@ -204,7 +204,7 @@
           <a:p>
             <a:fld id="{0567D346-E0A4-480D-8576-CDC0E4C76307}" type="datetimeFigureOut">
               <a:rPr lang="he-IL" smtClean="0"/>
-              <a:t>י"ב/טבת/תשפ"ג</a:t>
+              <a:t>י"א/שבט/תשפ"ג</a:t>
             </a:fld>
             <a:endParaRPr lang="he-IL"/>
           </a:p>
@@ -745,7 +745,7 @@
           <a:p>
             <a:fld id="{40DF87CD-148B-4E7A-85EE-645F5406764B}" type="datetimeFigureOut">
               <a:rPr lang="he-IL" smtClean="0"/>
-              <a:t>י"ב/טבת/תשפ"ג</a:t>
+              <a:t>י"א/שבט/תשפ"ג</a:t>
             </a:fld>
             <a:endParaRPr lang="he-IL"/>
           </a:p>
@@ -916,7 +916,7 @@
           <a:p>
             <a:fld id="{40DF87CD-148B-4E7A-85EE-645F5406764B}" type="datetimeFigureOut">
               <a:rPr lang="he-IL" smtClean="0"/>
-              <a:t>י"ב/טבת/תשפ"ג</a:t>
+              <a:t>י"א/שבט/תשפ"ג</a:t>
             </a:fld>
             <a:endParaRPr lang="he-IL"/>
           </a:p>
@@ -1097,7 +1097,7 @@
           <a:p>
             <a:fld id="{40DF87CD-148B-4E7A-85EE-645F5406764B}" type="datetimeFigureOut">
               <a:rPr lang="he-IL" smtClean="0"/>
-              <a:t>י"ב/טבת/תשפ"ג</a:t>
+              <a:t>י"א/שבט/תשפ"ג</a:t>
             </a:fld>
             <a:endParaRPr lang="he-IL"/>
           </a:p>
@@ -1268,7 +1268,7 @@
           <a:p>
             <a:fld id="{40DF87CD-148B-4E7A-85EE-645F5406764B}" type="datetimeFigureOut">
               <a:rPr lang="he-IL" smtClean="0"/>
-              <a:t>י"ב/טבת/תשפ"ג</a:t>
+              <a:t>י"א/שבט/תשפ"ג</a:t>
             </a:fld>
             <a:endParaRPr lang="he-IL"/>
           </a:p>
@@ -1515,7 +1515,7 @@
           <a:p>
             <a:fld id="{40DF87CD-148B-4E7A-85EE-645F5406764B}" type="datetimeFigureOut">
               <a:rPr lang="he-IL" smtClean="0"/>
-              <a:t>י"ב/טבת/תשפ"ג</a:t>
+              <a:t>י"א/שבט/תשפ"ג</a:t>
             </a:fld>
             <a:endParaRPr lang="he-IL"/>
           </a:p>
@@ -1748,7 +1748,7 @@
           <a:p>
             <a:fld id="{40DF87CD-148B-4E7A-85EE-645F5406764B}" type="datetimeFigureOut">
               <a:rPr lang="he-IL" smtClean="0"/>
-              <a:t>י"ב/טבת/תשפ"ג</a:t>
+              <a:t>י"א/שבט/תשפ"ג</a:t>
             </a:fld>
             <a:endParaRPr lang="he-IL"/>
           </a:p>
@@ -2116,7 +2116,7 @@
           <a:p>
             <a:fld id="{40DF87CD-148B-4E7A-85EE-645F5406764B}" type="datetimeFigureOut">
               <a:rPr lang="he-IL" smtClean="0"/>
-              <a:t>י"ב/טבת/תשפ"ג</a:t>
+              <a:t>י"א/שבט/תשפ"ג</a:t>
             </a:fld>
             <a:endParaRPr lang="he-IL"/>
           </a:p>
@@ -2235,7 +2235,7 @@
           <a:p>
             <a:fld id="{40DF87CD-148B-4E7A-85EE-645F5406764B}" type="datetimeFigureOut">
               <a:rPr lang="he-IL" smtClean="0"/>
-              <a:t>י"ב/טבת/תשפ"ג</a:t>
+              <a:t>י"א/שבט/תשפ"ג</a:t>
             </a:fld>
             <a:endParaRPr lang="he-IL"/>
           </a:p>
@@ -2331,7 +2331,7 @@
           <a:p>
             <a:fld id="{40DF87CD-148B-4E7A-85EE-645F5406764B}" type="datetimeFigureOut">
               <a:rPr lang="he-IL" smtClean="0"/>
-              <a:t>י"ב/טבת/תשפ"ג</a:t>
+              <a:t>י"א/שבט/תשפ"ג</a:t>
             </a:fld>
             <a:endParaRPr lang="he-IL"/>
           </a:p>
@@ -2609,7 +2609,7 @@
           <a:p>
             <a:fld id="{40DF87CD-148B-4E7A-85EE-645F5406764B}" type="datetimeFigureOut">
               <a:rPr lang="he-IL" smtClean="0"/>
-              <a:t>י"ב/טבת/תשפ"ג</a:t>
+              <a:t>י"א/שבט/תשפ"ג</a:t>
             </a:fld>
             <a:endParaRPr lang="he-IL"/>
           </a:p>
@@ -2867,7 +2867,7 @@
           <a:p>
             <a:fld id="{40DF87CD-148B-4E7A-85EE-645F5406764B}" type="datetimeFigureOut">
               <a:rPr lang="he-IL" smtClean="0"/>
-              <a:t>י"ב/טבת/תשפ"ג</a:t>
+              <a:t>י"א/שבט/תשפ"ג</a:t>
             </a:fld>
             <a:endParaRPr lang="he-IL"/>
           </a:p>
@@ -3081,7 +3081,7 @@
           <a:p>
             <a:fld id="{40DF87CD-148B-4E7A-85EE-645F5406764B}" type="datetimeFigureOut">
               <a:rPr lang="he-IL" smtClean="0"/>
-              <a:t>י"ב/טבת/תשפ"ג</a:t>
+              <a:t>י"א/שבט/תשפ"ג</a:t>
             </a:fld>
             <a:endParaRPr lang="he-IL"/>
           </a:p>
@@ -8470,7 +8470,7 @@
           <p:nvPr>
             <p:extLst>
               <p:ext uri="{D42A27DB-BD31-4B8C-83A1-F6EECF244321}">
-                <p14:modId xmlns:p14="http://schemas.microsoft.com/office/powerpoint/2010/main" val="1415845615"/>
+                <p14:modId xmlns:p14="http://schemas.microsoft.com/office/powerpoint/2010/main" val="3236792177"/>
               </p:ext>
             </p:extLst>
           </p:nvPr>
@@ -8618,7 +8618,7 @@
                     <a:p>
                       <a:pPr lvl="1" algn="r" rtl="1" fontAlgn="b"/>
                       <a:r>
-                        <a:rPr lang="he-IL" sz="1600" b="0" i="0" u="none" strike="noStrike" dirty="0">
+                        <a:rPr lang="he-IL" sz="1600" b="0" i="0" u="none" strike="noStrike">
                           <a:solidFill>
                             <a:srgbClr val="000000"/>
                           </a:solidFill>
@@ -8626,40 +8626,7 @@
                           <a:latin typeface="Segoe UI" panose="020B0502040204020203" pitchFamily="34" charset="0"/>
                           <a:cs typeface="Segoe UI" panose="020B0502040204020203" pitchFamily="34" charset="0"/>
                         </a:rPr>
-                        <a:t>חלק</a:t>
-                      </a:r>
-                      <a:r>
-                        <a:rPr lang="he-IL" sz="1600" b="0" i="0" u="none" strike="noStrike" baseline="0" dirty="0">
-                          <a:solidFill>
-                            <a:srgbClr val="000000"/>
-                          </a:solidFill>
-                          <a:effectLst/>
-                          <a:latin typeface="Segoe UI" panose="020B0502040204020203" pitchFamily="34" charset="0"/>
-                          <a:cs typeface="Segoe UI" panose="020B0502040204020203" pitchFamily="34" charset="0"/>
-                        </a:rPr>
-                        <a:t> נלקח משדה </a:t>
-                      </a:r>
-                      <a:r>
-                        <a:rPr lang="en-US" sz="1600" b="0" i="0" u="none" strike="noStrike" baseline="0" dirty="0" err="1">
-                          <a:solidFill>
-                            <a:srgbClr val="000000"/>
-                          </a:solidFill>
-                          <a:effectLst/>
-                          <a:latin typeface="Segoe UI" panose="020B0502040204020203" pitchFamily="34" charset="0"/>
-                          <a:cs typeface="Segoe UI" panose="020B0502040204020203" pitchFamily="34" charset="0"/>
-                        </a:rPr>
-                        <a:t>ParcelUniqueID</a:t>
-                      </a:r>
-                      <a:r>
-                        <a:rPr lang="he-IL" sz="1600" b="0" i="0" u="none" strike="noStrike" baseline="0" dirty="0">
-                          <a:solidFill>
-                            <a:srgbClr val="000000"/>
-                          </a:solidFill>
-                          <a:effectLst/>
-                          <a:latin typeface="Segoe UI" panose="020B0502040204020203" pitchFamily="34" charset="0"/>
-                          <a:cs typeface="Segoe UI" panose="020B0502040204020203" pitchFamily="34" charset="0"/>
-                        </a:rPr>
-                        <a:t> וחלק על ידי מספר רץ</a:t>
+                        <a:t>מספר רץ החל מ-1</a:t>
                       </a:r>
                       <a:endParaRPr lang="en-US" sz="1600" b="0" i="0" u="none" strike="noStrike" dirty="0">
                         <a:solidFill>
